--- a/figures/make_figures.pptx
+++ b/figures/make_figures.pptx
@@ -9,7 +9,7 @@
   </p:notesMasterIdLst>
   <p:sldIdLst>
     <p:sldId id="256" r:id="rId2"/>
-    <p:sldId id="259" r:id="rId3"/>
+    <p:sldId id="260" r:id="rId3"/>
     <p:sldId id="258" r:id="rId4"/>
   </p:sldIdLst>
   <p:sldSz cx="12192000" cy="6858000"/>
@@ -109,6 +109,11 @@
       </a:defRPr>
     </a:lvl9pPr>
   </p:defaultTextStyle>
+  <p:extLst>
+    <p:ext uri="{EFAFB233-063F-42B5-8137-9DF3F51BA10A}">
+      <p15:sldGuideLst xmlns:p15="http://schemas.microsoft.com/office/powerpoint/2012/main"/>
+    </p:ext>
+  </p:extLst>
 </p:presentation>
 </file>
 
@@ -194,7 +199,7 @@
           <a:p>
             <a:fld id="{249BF61E-6A92-D74B-B60B-F61CE8EE41F9}" type="datetimeFigureOut">
               <a:rPr lang="da-DK" smtClean="0"/>
-              <a:t>04.12.2024</a:t>
+              <a:t>18.12.2024</a:t>
             </a:fld>
             <a:endParaRPr lang="da-DK"/>
           </a:p>
@@ -469,7 +474,7 @@
         <p:cNvPr id="1" name="">
           <a:extLst>
             <a:ext uri="{FF2B5EF4-FFF2-40B4-BE49-F238E27FC236}">
-              <a16:creationId xmlns:a16="http://schemas.microsoft.com/office/drawing/2014/main" id="{2012AE26-D40B-AE4A-7B6C-E4FBB75228FB}"/>
+              <a16:creationId xmlns:a16="http://schemas.microsoft.com/office/drawing/2014/main" id="{9E6FB394-FB20-EC17-21D6-27A9CD8D2787}"/>
             </a:ext>
           </a:extLst>
         </p:cNvPr>
@@ -489,7 +494,7 @@
           <p:cNvPr id="2" name="Pladsholder til slidebillede 1">
             <a:extLst>
               <a:ext uri="{FF2B5EF4-FFF2-40B4-BE49-F238E27FC236}">
-                <a16:creationId xmlns:a16="http://schemas.microsoft.com/office/drawing/2014/main" id="{33ACC243-8576-B68E-39FE-7023EAD340EC}"/>
+                <a16:creationId xmlns:a16="http://schemas.microsoft.com/office/drawing/2014/main" id="{968C37BB-14FD-6B5A-FBD8-4F27750EEFF0}"/>
               </a:ext>
             </a:extLst>
           </p:cNvPr>
@@ -507,7 +512,7 @@
           <p:cNvPr id="3" name="Pladsholder til noter 2">
             <a:extLst>
               <a:ext uri="{FF2B5EF4-FFF2-40B4-BE49-F238E27FC236}">
-                <a16:creationId xmlns:a16="http://schemas.microsoft.com/office/drawing/2014/main" id="{FF1D0249-0954-516D-9A3F-8F1E2F2AE8AE}"/>
+                <a16:creationId xmlns:a16="http://schemas.microsoft.com/office/drawing/2014/main" id="{90BB45F8-7DD4-2605-3F69-CBC31141D9FC}"/>
               </a:ext>
             </a:extLst>
           </p:cNvPr>
@@ -532,7 +537,7 @@
           <p:cNvPr id="4" name="Pladsholder til slidenummer 3">
             <a:extLst>
               <a:ext uri="{FF2B5EF4-FFF2-40B4-BE49-F238E27FC236}">
-                <a16:creationId xmlns:a16="http://schemas.microsoft.com/office/drawing/2014/main" id="{69083430-69DA-3E47-BEB5-39578459539B}"/>
+                <a16:creationId xmlns:a16="http://schemas.microsoft.com/office/drawing/2014/main" id="{C272E3B3-290C-A80B-A9DE-1F3C6217F9EE}"/>
               </a:ext>
             </a:extLst>
           </p:cNvPr>
@@ -559,7 +564,7 @@
     </p:spTree>
     <p:extLst>
       <p:ext uri="{BB962C8B-B14F-4D97-AF65-F5344CB8AC3E}">
-        <p14:creationId xmlns:p14="http://schemas.microsoft.com/office/powerpoint/2010/main" val="687243518"/>
+        <p14:creationId xmlns:p14="http://schemas.microsoft.com/office/powerpoint/2010/main" val="3712885195"/>
       </p:ext>
     </p:extLst>
   </p:cSld>
@@ -824,7 +829,7 @@
           <a:p>
             <a:fld id="{F4FDE000-6CC2-1D4B-A455-561C20E00C2A}" type="datetimeFigureOut">
               <a:rPr lang="da-DK" smtClean="0"/>
-              <a:t>04.12.2024</a:t>
+              <a:t>18.12.2024</a:t>
             </a:fld>
             <a:endParaRPr lang="da-DK"/>
           </a:p>
@@ -1022,7 +1027,7 @@
           <a:p>
             <a:fld id="{F4FDE000-6CC2-1D4B-A455-561C20E00C2A}" type="datetimeFigureOut">
               <a:rPr lang="da-DK" smtClean="0"/>
-              <a:t>04.12.2024</a:t>
+              <a:t>18.12.2024</a:t>
             </a:fld>
             <a:endParaRPr lang="da-DK"/>
           </a:p>
@@ -1230,7 +1235,7 @@
           <a:p>
             <a:fld id="{F4FDE000-6CC2-1D4B-A455-561C20E00C2A}" type="datetimeFigureOut">
               <a:rPr lang="da-DK" smtClean="0"/>
-              <a:t>04.12.2024</a:t>
+              <a:t>18.12.2024</a:t>
             </a:fld>
             <a:endParaRPr lang="da-DK"/>
           </a:p>
@@ -1428,7 +1433,7 @@
           <a:p>
             <a:fld id="{F4FDE000-6CC2-1D4B-A455-561C20E00C2A}" type="datetimeFigureOut">
               <a:rPr lang="da-DK" smtClean="0"/>
-              <a:t>04.12.2024</a:t>
+              <a:t>18.12.2024</a:t>
             </a:fld>
             <a:endParaRPr lang="da-DK"/>
           </a:p>
@@ -1703,7 +1708,7 @@
           <a:p>
             <a:fld id="{F4FDE000-6CC2-1D4B-A455-561C20E00C2A}" type="datetimeFigureOut">
               <a:rPr lang="da-DK" smtClean="0"/>
-              <a:t>04.12.2024</a:t>
+              <a:t>18.12.2024</a:t>
             </a:fld>
             <a:endParaRPr lang="da-DK"/>
           </a:p>
@@ -1968,7 +1973,7 @@
           <a:p>
             <a:fld id="{F4FDE000-6CC2-1D4B-A455-561C20E00C2A}" type="datetimeFigureOut">
               <a:rPr lang="da-DK" smtClean="0"/>
-              <a:t>04.12.2024</a:t>
+              <a:t>18.12.2024</a:t>
             </a:fld>
             <a:endParaRPr lang="da-DK"/>
           </a:p>
@@ -2380,7 +2385,7 @@
           <a:p>
             <a:fld id="{F4FDE000-6CC2-1D4B-A455-561C20E00C2A}" type="datetimeFigureOut">
               <a:rPr lang="da-DK" smtClean="0"/>
-              <a:t>04.12.2024</a:t>
+              <a:t>18.12.2024</a:t>
             </a:fld>
             <a:endParaRPr lang="da-DK"/>
           </a:p>
@@ -2521,7 +2526,7 @@
           <a:p>
             <a:fld id="{F4FDE000-6CC2-1D4B-A455-561C20E00C2A}" type="datetimeFigureOut">
               <a:rPr lang="da-DK" smtClean="0"/>
-              <a:t>04.12.2024</a:t>
+              <a:t>18.12.2024</a:t>
             </a:fld>
             <a:endParaRPr lang="da-DK"/>
           </a:p>
@@ -2634,7 +2639,7 @@
           <a:p>
             <a:fld id="{F4FDE000-6CC2-1D4B-A455-561C20E00C2A}" type="datetimeFigureOut">
               <a:rPr lang="da-DK" smtClean="0"/>
-              <a:t>04.12.2024</a:t>
+              <a:t>18.12.2024</a:t>
             </a:fld>
             <a:endParaRPr lang="da-DK"/>
           </a:p>
@@ -2945,7 +2950,7 @@
           <a:p>
             <a:fld id="{F4FDE000-6CC2-1D4B-A455-561C20E00C2A}" type="datetimeFigureOut">
               <a:rPr lang="da-DK" smtClean="0"/>
-              <a:t>04.12.2024</a:t>
+              <a:t>18.12.2024</a:t>
             </a:fld>
             <a:endParaRPr lang="da-DK"/>
           </a:p>
@@ -3233,7 +3238,7 @@
           <a:p>
             <a:fld id="{F4FDE000-6CC2-1D4B-A455-561C20E00C2A}" type="datetimeFigureOut">
               <a:rPr lang="da-DK" smtClean="0"/>
-              <a:t>04.12.2024</a:t>
+              <a:t>18.12.2024</a:t>
             </a:fld>
             <a:endParaRPr lang="da-DK"/>
           </a:p>
@@ -3474,7 +3479,7 @@
           <a:p>
             <a:fld id="{F4FDE000-6CC2-1D4B-A455-561C20E00C2A}" type="datetimeFigureOut">
               <a:rPr lang="da-DK" smtClean="0"/>
-              <a:t>04.12.2024</a:t>
+              <a:t>18.12.2024</a:t>
             </a:fld>
             <a:endParaRPr lang="da-DK"/>
           </a:p>
@@ -3962,7 +3967,7 @@
         <p:cNvPr id="1" name="">
           <a:extLst>
             <a:ext uri="{FF2B5EF4-FFF2-40B4-BE49-F238E27FC236}">
-              <a16:creationId xmlns:a16="http://schemas.microsoft.com/office/drawing/2014/main" id="{79B3AF50-83C9-4900-CE6C-170F2112FB1E}"/>
+              <a16:creationId xmlns:a16="http://schemas.microsoft.com/office/drawing/2014/main" id="{168048B4-EE67-763B-4FAF-E5F0870FFDB8}"/>
             </a:ext>
           </a:extLst>
         </p:cNvPr>
@@ -3982,7 +3987,7 @@
           <p:cNvPr id="11" name="Grafik 10" descr="Mappe kontur">
             <a:extLst>
               <a:ext uri="{FF2B5EF4-FFF2-40B4-BE49-F238E27FC236}">
-                <a16:creationId xmlns:a16="http://schemas.microsoft.com/office/drawing/2014/main" id="{66AEF697-9E9F-1C5E-71A0-61D58FADF70C}"/>
+                <a16:creationId xmlns:a16="http://schemas.microsoft.com/office/drawing/2014/main" id="{891F2F28-F7B5-AC86-1501-8E1CB513D182}"/>
               </a:ext>
             </a:extLst>
           </p:cNvPr>
@@ -4005,7 +4010,7 @@
         </p:blipFill>
         <p:spPr>
           <a:xfrm>
-            <a:off x="5315463" y="0"/>
+            <a:off x="6436340" y="316657"/>
             <a:ext cx="1466335" cy="1466335"/>
           </a:xfrm>
           <a:prstGeom prst="rect">
@@ -4018,7 +4023,7 @@
           <p:cNvPr id="12" name="Tekstfelt 11">
             <a:extLst>
               <a:ext uri="{FF2B5EF4-FFF2-40B4-BE49-F238E27FC236}">
-                <a16:creationId xmlns:a16="http://schemas.microsoft.com/office/drawing/2014/main" id="{82E48981-1F8C-3CA0-13F1-100FFEC7BF2F}"/>
+                <a16:creationId xmlns:a16="http://schemas.microsoft.com/office/drawing/2014/main" id="{678FA23E-0BA5-39DC-D005-69E07D8F5C5F}"/>
               </a:ext>
             </a:extLst>
           </p:cNvPr>
@@ -4027,7 +4032,7 @@
         </p:nvSpPr>
         <p:spPr>
           <a:xfrm>
-            <a:off x="5181597" y="1235676"/>
+            <a:off x="6302474" y="1552333"/>
             <a:ext cx="1734065" cy="369332"/>
           </a:xfrm>
           <a:prstGeom prst="rect">
@@ -4054,7 +4059,7 @@
           <p:cNvPr id="13" name="Grafik 12" descr="Mappe kontur">
             <a:extLst>
               <a:ext uri="{FF2B5EF4-FFF2-40B4-BE49-F238E27FC236}">
-                <a16:creationId xmlns:a16="http://schemas.microsoft.com/office/drawing/2014/main" id="{6B89EA94-190A-20A9-9229-77E661E80B11}"/>
+                <a16:creationId xmlns:a16="http://schemas.microsoft.com/office/drawing/2014/main" id="{15AB2460-29DF-EE90-CE3C-4337883E6B95}"/>
               </a:ext>
             </a:extLst>
           </p:cNvPr>
@@ -4090,7 +4095,7 @@
           <p:cNvPr id="14" name="Tekstfelt 13">
             <a:extLst>
               <a:ext uri="{FF2B5EF4-FFF2-40B4-BE49-F238E27FC236}">
-                <a16:creationId xmlns:a16="http://schemas.microsoft.com/office/drawing/2014/main" id="{A01CC740-0661-3C61-3B02-3AEE00B7AD03}"/>
+                <a16:creationId xmlns:a16="http://schemas.microsoft.com/office/drawing/2014/main" id="{87F4387B-E69D-16FD-B02F-09F7249CB08E}"/>
               </a:ext>
             </a:extLst>
           </p:cNvPr>
@@ -4121,50 +4126,12 @@
           </a:p>
         </p:txBody>
       </p:sp>
-      <p:cxnSp>
-        <p:nvCxnSpPr>
-          <p:cNvPr id="16" name="Lige forbindelse 15">
-            <a:extLst>
-              <a:ext uri="{FF2B5EF4-FFF2-40B4-BE49-F238E27FC236}">
-                <a16:creationId xmlns:a16="http://schemas.microsoft.com/office/drawing/2014/main" id="{A7660364-673A-794D-62C4-B3D7FB021224}"/>
-              </a:ext>
-            </a:extLst>
-          </p:cNvPr>
-          <p:cNvCxnSpPr>
-            <a:cxnSpLocks/>
-          </p:cNvCxnSpPr>
-          <p:nvPr/>
-        </p:nvCxnSpPr>
-        <p:spPr>
-          <a:xfrm>
-            <a:off x="6098055" y="1626288"/>
-            <a:ext cx="0" cy="985658"/>
-          </a:xfrm>
-          <a:prstGeom prst="line">
-            <a:avLst/>
-          </a:prstGeom>
-        </p:spPr>
-        <p:style>
-          <a:lnRef idx="2">
-            <a:schemeClr val="dk1"/>
-          </a:lnRef>
-          <a:fillRef idx="0">
-            <a:schemeClr val="dk1"/>
-          </a:fillRef>
-          <a:effectRef idx="1">
-            <a:schemeClr val="dk1"/>
-          </a:effectRef>
-          <a:fontRef idx="minor">
-            <a:schemeClr val="tx1"/>
-          </a:fontRef>
-        </p:style>
-      </p:cxnSp>
       <p:pic>
         <p:nvPicPr>
           <p:cNvPr id="25" name="Grafik 24" descr="Mappe kontur">
             <a:extLst>
               <a:ext uri="{FF2B5EF4-FFF2-40B4-BE49-F238E27FC236}">
-                <a16:creationId xmlns:a16="http://schemas.microsoft.com/office/drawing/2014/main" id="{907156C6-5A57-39E7-D0FB-1C192EB3244B}"/>
+                <a16:creationId xmlns:a16="http://schemas.microsoft.com/office/drawing/2014/main" id="{6E4729B8-A29F-689F-09E7-2F5BECEA9C3F}"/>
               </a:ext>
             </a:extLst>
           </p:cNvPr>
@@ -4187,7 +4154,7 @@
         </p:blipFill>
         <p:spPr>
           <a:xfrm>
-            <a:off x="5364885" y="2565401"/>
+            <a:off x="5368134" y="2579019"/>
             <a:ext cx="1466335" cy="1466335"/>
           </a:xfrm>
           <a:prstGeom prst="rect">
@@ -4200,7 +4167,7 @@
           <p:cNvPr id="26" name="Tekstfelt 25">
             <a:extLst>
               <a:ext uri="{FF2B5EF4-FFF2-40B4-BE49-F238E27FC236}">
-                <a16:creationId xmlns:a16="http://schemas.microsoft.com/office/drawing/2014/main" id="{9BBAEDF3-71A5-C4F9-AB73-8BABD5362E3C}"/>
+                <a16:creationId xmlns:a16="http://schemas.microsoft.com/office/drawing/2014/main" id="{9AF0DF60-2817-0BE7-2614-C035A0856B21}"/>
               </a:ext>
             </a:extLst>
           </p:cNvPr>
@@ -4209,7 +4176,7 @@
         </p:nvSpPr>
         <p:spPr>
           <a:xfrm>
-            <a:off x="5231019" y="3801077"/>
+            <a:off x="5230726" y="3803137"/>
             <a:ext cx="1734065" cy="369332"/>
           </a:xfrm>
           <a:prstGeom prst="rect">
@@ -4236,7 +4203,7 @@
           <p:cNvPr id="28" name="Grafik 27" descr="Mappe kontur">
             <a:extLst>
               <a:ext uri="{FF2B5EF4-FFF2-40B4-BE49-F238E27FC236}">
-                <a16:creationId xmlns:a16="http://schemas.microsoft.com/office/drawing/2014/main" id="{F46B7635-169C-6E43-1EA8-A2F47379D6F0}"/>
+                <a16:creationId xmlns:a16="http://schemas.microsoft.com/office/drawing/2014/main" id="{A7AB3E65-0060-6CF9-06A9-8A34146C2FAF}"/>
               </a:ext>
             </a:extLst>
           </p:cNvPr>
@@ -4259,7 +4226,7 @@
         </p:blipFill>
         <p:spPr>
           <a:xfrm>
-            <a:off x="7336759" y="2526385"/>
+            <a:off x="9560132" y="2573792"/>
             <a:ext cx="1466335" cy="1466335"/>
           </a:xfrm>
           <a:prstGeom prst="rect">
@@ -4272,7 +4239,7 @@
           <p:cNvPr id="29" name="Tekstfelt 28">
             <a:extLst>
               <a:ext uri="{FF2B5EF4-FFF2-40B4-BE49-F238E27FC236}">
-                <a16:creationId xmlns:a16="http://schemas.microsoft.com/office/drawing/2014/main" id="{67B24AD1-34C5-09CC-9230-9A7D0E182359}"/>
+                <a16:creationId xmlns:a16="http://schemas.microsoft.com/office/drawing/2014/main" id="{E023F853-5120-2513-5720-A6F7860F82A4}"/>
               </a:ext>
             </a:extLst>
           </p:cNvPr>
@@ -4281,7 +4248,7 @@
         </p:nvSpPr>
         <p:spPr>
           <a:xfrm>
-            <a:off x="7202893" y="3762061"/>
+            <a:off x="9549990" y="3809609"/>
             <a:ext cx="1734065" cy="369332"/>
           </a:xfrm>
           <a:prstGeom prst="rect">
@@ -4297,10 +4264,9 @@
           <a:p>
             <a:pPr algn="ctr"/>
             <a:r>
-              <a:rPr lang="da-DK" dirty="0" err="1"/>
+              <a:rPr lang="da-DK" dirty="0"/>
               <a:t>presentations</a:t>
             </a:r>
-            <a:endParaRPr lang="da-DK" dirty="0"/>
           </a:p>
         </p:txBody>
       </p:sp>
@@ -4309,7 +4275,7 @@
           <p:cNvPr id="31" name="Lige forbindelse 30">
             <a:extLst>
               <a:ext uri="{FF2B5EF4-FFF2-40B4-BE49-F238E27FC236}">
-                <a16:creationId xmlns:a16="http://schemas.microsoft.com/office/drawing/2014/main" id="{458EDF60-D8C2-95EC-8671-63A371955E1E}"/>
+                <a16:creationId xmlns:a16="http://schemas.microsoft.com/office/drawing/2014/main" id="{82E20B15-C7AE-08DF-F5F1-A65796D48C1A}"/>
               </a:ext>
             </a:extLst>
           </p:cNvPr>
@@ -4320,7 +4286,7 @@
         </p:nvCxnSpPr>
         <p:spPr>
           <a:xfrm flipH="1">
-            <a:off x="3929918" y="2083864"/>
+            <a:off x="3937566" y="2088280"/>
             <a:ext cx="2055" cy="499074"/>
           </a:xfrm>
           <a:prstGeom prst="line">
@@ -4347,7 +4313,7 @@
           <p:cNvPr id="34" name="Lige forbindelse 33">
             <a:extLst>
               <a:ext uri="{FF2B5EF4-FFF2-40B4-BE49-F238E27FC236}">
-                <a16:creationId xmlns:a16="http://schemas.microsoft.com/office/drawing/2014/main" id="{6202DA31-9232-6DEA-B475-89B015CF8AD1}"/>
+                <a16:creationId xmlns:a16="http://schemas.microsoft.com/office/drawing/2014/main" id="{C9A442EB-BA51-5D63-6643-D7985930A38F}"/>
               </a:ext>
             </a:extLst>
           </p:cNvPr>
@@ -4359,7 +4325,7 @@
         <p:spPr>
           <a:xfrm flipH="1">
             <a:off x="3929918" y="2095865"/>
-            <a:ext cx="4137207" cy="0"/>
+            <a:ext cx="6250847" cy="0"/>
           </a:xfrm>
           <a:prstGeom prst="line">
             <a:avLst/>
@@ -4385,7 +4351,7 @@
           <p:cNvPr id="35" name="Lige forbindelse 34">
             <a:extLst>
               <a:ext uri="{FF2B5EF4-FFF2-40B4-BE49-F238E27FC236}">
-                <a16:creationId xmlns:a16="http://schemas.microsoft.com/office/drawing/2014/main" id="{3EBCB6A9-999C-87E2-C28E-82B0A169845C}"/>
+                <a16:creationId xmlns:a16="http://schemas.microsoft.com/office/drawing/2014/main" id="{C70C4126-A318-2FAC-21C4-C424B3235ACF}"/>
               </a:ext>
             </a:extLst>
           </p:cNvPr>
@@ -4396,7 +4362,7 @@
         </p:nvCxnSpPr>
         <p:spPr>
           <a:xfrm flipH="1">
-            <a:off x="8067126" y="2095865"/>
+            <a:off x="10180765" y="2083864"/>
             <a:ext cx="2055" cy="499074"/>
           </a:xfrm>
           <a:prstGeom prst="line">
@@ -4423,7 +4389,7 @@
           <p:cNvPr id="36" name="Lige forbindelse 35">
             <a:extLst>
               <a:ext uri="{FF2B5EF4-FFF2-40B4-BE49-F238E27FC236}">
-                <a16:creationId xmlns:a16="http://schemas.microsoft.com/office/drawing/2014/main" id="{8EE81188-5898-7AD9-F55D-F1F85EDBD0A4}"/>
+                <a16:creationId xmlns:a16="http://schemas.microsoft.com/office/drawing/2014/main" id="{500441F1-8365-8C62-FC2A-BF595ED8D7BE}"/>
               </a:ext>
             </a:extLst>
           </p:cNvPr>
@@ -4461,7 +4427,7 @@
           <p:cNvPr id="37" name="Lige forbindelse 36">
             <a:extLst>
               <a:ext uri="{FF2B5EF4-FFF2-40B4-BE49-F238E27FC236}">
-                <a16:creationId xmlns:a16="http://schemas.microsoft.com/office/drawing/2014/main" id="{2A4DA0C7-73F7-CD49-F83A-5F3A9D57F648}"/>
+                <a16:creationId xmlns:a16="http://schemas.microsoft.com/office/drawing/2014/main" id="{B336D7EE-7A44-DEFF-CF6C-2AC6A0941616}"/>
               </a:ext>
             </a:extLst>
           </p:cNvPr>
@@ -4499,7 +4465,7 @@
           <p:cNvPr id="45" name="Tekstfelt 44">
             <a:extLst>
               <a:ext uri="{FF2B5EF4-FFF2-40B4-BE49-F238E27FC236}">
-                <a16:creationId xmlns:a16="http://schemas.microsoft.com/office/drawing/2014/main" id="{80EDECDA-497B-AFC8-CA5F-E52B93EFB631}"/>
+                <a16:creationId xmlns:a16="http://schemas.microsoft.com/office/drawing/2014/main" id="{9FA97AC6-CF74-B711-859D-8ED367A98BF9}"/>
               </a:ext>
             </a:extLst>
           </p:cNvPr>
@@ -4536,7 +4502,7 @@
           <p:cNvPr id="47" name="Lige forbindelse 46">
             <a:extLst>
               <a:ext uri="{FF2B5EF4-FFF2-40B4-BE49-F238E27FC236}">
-                <a16:creationId xmlns:a16="http://schemas.microsoft.com/office/drawing/2014/main" id="{A5723DDB-7D35-EEB6-A6AC-E181CFDFCED2}"/>
+                <a16:creationId xmlns:a16="http://schemas.microsoft.com/office/drawing/2014/main" id="{68197731-0FFE-22D2-DDC7-52BF8B14191D}"/>
               </a:ext>
             </a:extLst>
           </p:cNvPr>
@@ -4574,7 +4540,7 @@
           <p:cNvPr id="48" name="Grafik 47" descr="Papir kontur">
             <a:extLst>
               <a:ext uri="{FF2B5EF4-FFF2-40B4-BE49-F238E27FC236}">
-                <a16:creationId xmlns:a16="http://schemas.microsoft.com/office/drawing/2014/main" id="{9141205D-AD26-D778-EA38-7AA1EA4548FF}"/>
+                <a16:creationId xmlns:a16="http://schemas.microsoft.com/office/drawing/2014/main" id="{7E26BBE5-855C-3860-FD3B-83FD4904EB5E}"/>
               </a:ext>
             </a:extLst>
           </p:cNvPr>
@@ -4610,7 +4576,7 @@
           <p:cNvPr id="50" name="Lige forbindelse 49">
             <a:extLst>
               <a:ext uri="{FF2B5EF4-FFF2-40B4-BE49-F238E27FC236}">
-                <a16:creationId xmlns:a16="http://schemas.microsoft.com/office/drawing/2014/main" id="{0B3AFC23-9E27-D79F-A3B5-E8EA820AAD2B}"/>
+                <a16:creationId xmlns:a16="http://schemas.microsoft.com/office/drawing/2014/main" id="{197FCF11-BA4B-3409-0D56-726DB1C53AEE}"/>
               </a:ext>
             </a:extLst>
           </p:cNvPr>
@@ -4648,7 +4614,7 @@
           <p:cNvPr id="52" name="Grafik 51" descr="Papir kontur">
             <a:extLst>
               <a:ext uri="{FF2B5EF4-FFF2-40B4-BE49-F238E27FC236}">
-                <a16:creationId xmlns:a16="http://schemas.microsoft.com/office/drawing/2014/main" id="{2989CA10-61EC-89FB-D61E-89B1FB40EA41}"/>
+                <a16:creationId xmlns:a16="http://schemas.microsoft.com/office/drawing/2014/main" id="{DB7B29CF-F5CA-B15C-4066-958E60413931}"/>
               </a:ext>
             </a:extLst>
           </p:cNvPr>
@@ -4684,7 +4650,7 @@
           <p:cNvPr id="78" name="Lige forbindelse 77">
             <a:extLst>
               <a:ext uri="{FF2B5EF4-FFF2-40B4-BE49-F238E27FC236}">
-                <a16:creationId xmlns:a16="http://schemas.microsoft.com/office/drawing/2014/main" id="{4E59D98B-A3B9-4558-5926-20134F894907}"/>
+                <a16:creationId xmlns:a16="http://schemas.microsoft.com/office/drawing/2014/main" id="{33E71F53-989B-D941-0A43-A256BD429E53}"/>
               </a:ext>
             </a:extLst>
           </p:cNvPr>
@@ -4695,8 +4661,8 @@
         </p:nvCxnSpPr>
         <p:spPr>
           <a:xfrm>
-            <a:off x="8041936" y="4190794"/>
-            <a:ext cx="0" cy="1002577"/>
+            <a:off x="10504592" y="4275786"/>
+            <a:ext cx="0" cy="850132"/>
           </a:xfrm>
           <a:prstGeom prst="line">
             <a:avLst/>
@@ -4722,7 +4688,7 @@
           <p:cNvPr id="80" name="Tekstfelt 79">
             <a:extLst>
               <a:ext uri="{FF2B5EF4-FFF2-40B4-BE49-F238E27FC236}">
-                <a16:creationId xmlns:a16="http://schemas.microsoft.com/office/drawing/2014/main" id="{C426CFB1-CFA2-6BD5-8D93-1AEBD916372A}"/>
+                <a16:creationId xmlns:a16="http://schemas.microsoft.com/office/drawing/2014/main" id="{CB5CB4B7-4772-8972-FF31-ECB195B6CE01}"/>
               </a:ext>
             </a:extLst>
           </p:cNvPr>
@@ -4731,7 +4697,7 @@
         </p:nvSpPr>
         <p:spPr>
           <a:xfrm>
-            <a:off x="6982219" y="6329470"/>
+            <a:off x="9444875" y="6262017"/>
             <a:ext cx="2106805" cy="369332"/>
           </a:xfrm>
           <a:prstGeom prst="rect">
@@ -4758,7 +4724,7 @@
           <p:cNvPr id="84" name="Grafik 83" descr="Papir kontur">
             <a:extLst>
               <a:ext uri="{FF2B5EF4-FFF2-40B4-BE49-F238E27FC236}">
-                <a16:creationId xmlns:a16="http://schemas.microsoft.com/office/drawing/2014/main" id="{C2B0FC50-1308-05BC-FC19-5A1DEAD04E10}"/>
+                <a16:creationId xmlns:a16="http://schemas.microsoft.com/office/drawing/2014/main" id="{0B8F6A83-90DD-2D57-9AA1-834B32693AC8}"/>
               </a:ext>
             </a:extLst>
           </p:cNvPr>
@@ -4781,7 +4747,7 @@
         </p:blipFill>
         <p:spPr>
           <a:xfrm>
-            <a:off x="7500434" y="5228058"/>
+            <a:off x="9963090" y="5160605"/>
             <a:ext cx="1133383" cy="1133383"/>
           </a:xfrm>
           <a:prstGeom prst="rect">
@@ -4794,7 +4760,7 @@
           <p:cNvPr id="85" name="Tekstfelt 84">
             <a:extLst>
               <a:ext uri="{FF2B5EF4-FFF2-40B4-BE49-F238E27FC236}">
-                <a16:creationId xmlns:a16="http://schemas.microsoft.com/office/drawing/2014/main" id="{AABC17A3-2822-C5A1-4635-9B7B0BB4C557}"/>
+                <a16:creationId xmlns:a16="http://schemas.microsoft.com/office/drawing/2014/main" id="{BA428690-8BE5-F025-8487-091ED9935DD0}"/>
               </a:ext>
             </a:extLst>
           </p:cNvPr>
@@ -4830,10 +4796,158 @@
           </a:p>
         </p:txBody>
       </p:sp>
+      <p:cxnSp>
+        <p:nvCxnSpPr>
+          <p:cNvPr id="2" name="Lige forbindelse 1">
+            <a:extLst>
+              <a:ext uri="{FF2B5EF4-FFF2-40B4-BE49-F238E27FC236}">
+                <a16:creationId xmlns:a16="http://schemas.microsoft.com/office/drawing/2014/main" id="{70385AB0-D8AE-7A41-970B-090022B45F15}"/>
+              </a:ext>
+            </a:extLst>
+          </p:cNvPr>
+          <p:cNvCxnSpPr>
+            <a:cxnSpLocks/>
+          </p:cNvCxnSpPr>
+          <p:nvPr/>
+        </p:nvCxnSpPr>
+        <p:spPr>
+          <a:xfrm flipH="1">
+            <a:off x="6093656" y="2088280"/>
+            <a:ext cx="2055" cy="499074"/>
+          </a:xfrm>
+          <a:prstGeom prst="line">
+            <a:avLst/>
+          </a:prstGeom>
+        </p:spPr>
+        <p:style>
+          <a:lnRef idx="2">
+            <a:schemeClr val="dk1"/>
+          </a:lnRef>
+          <a:fillRef idx="0">
+            <a:schemeClr val="dk1"/>
+          </a:fillRef>
+          <a:effectRef idx="1">
+            <a:schemeClr val="dk1"/>
+          </a:effectRef>
+          <a:fontRef idx="minor">
+            <a:schemeClr val="tx1"/>
+          </a:fontRef>
+        </p:style>
+      </p:cxnSp>
+      <p:pic>
+        <p:nvPicPr>
+          <p:cNvPr id="7" name="Grafik 6" descr="Mappe kontur">
+            <a:extLst>
+              <a:ext uri="{FF2B5EF4-FFF2-40B4-BE49-F238E27FC236}">
+                <a16:creationId xmlns:a16="http://schemas.microsoft.com/office/drawing/2014/main" id="{1DD5CA41-9CA7-FD14-3C57-05D14F79E15A}"/>
+              </a:ext>
+            </a:extLst>
+          </p:cNvPr>
+          <p:cNvPicPr>
+            <a:picLocks noChangeAspect="1"/>
+          </p:cNvPicPr>
+          <p:nvPr/>
+        </p:nvPicPr>
+        <p:blipFill>
+          <a:blip r:embed="rId3">
+            <a:extLst>
+              <a:ext uri="{96DAC541-7B7A-43D3-8B79-37D633B846F1}">
+                <asvg:svgBlip xmlns:asvg="http://schemas.microsoft.com/office/drawing/2016/SVG/main" r:embed="rId4"/>
+              </a:ext>
+            </a:extLst>
+          </a:blip>
+          <a:stretch>
+            <a:fillRect/>
+          </a:stretch>
+        </p:blipFill>
+        <p:spPr>
+          <a:xfrm>
+            <a:off x="7524224" y="2582938"/>
+            <a:ext cx="1466335" cy="1466335"/>
+          </a:xfrm>
+          <a:prstGeom prst="rect">
+            <a:avLst/>
+          </a:prstGeom>
+        </p:spPr>
+      </p:pic>
+      <p:sp>
+        <p:nvSpPr>
+          <p:cNvPr id="8" name="Tekstfelt 7">
+            <a:extLst>
+              <a:ext uri="{FF2B5EF4-FFF2-40B4-BE49-F238E27FC236}">
+                <a16:creationId xmlns:a16="http://schemas.microsoft.com/office/drawing/2014/main" id="{BE3108B1-472D-4295-2F66-84BBC20BFC21}"/>
+              </a:ext>
+            </a:extLst>
+          </p:cNvPr>
+          <p:cNvSpPr txBox="1"/>
+          <p:nvPr/>
+        </p:nvSpPr>
+        <p:spPr>
+          <a:xfrm>
+            <a:off x="7390358" y="3803137"/>
+            <a:ext cx="1734065" cy="369332"/>
+          </a:xfrm>
+          <a:prstGeom prst="rect">
+            <a:avLst/>
+          </a:prstGeom>
+          <a:noFill/>
+        </p:spPr>
+        <p:txBody>
+          <a:bodyPr wrap="square" rtlCol="0">
+            <a:spAutoFit/>
+          </a:bodyPr>
+          <a:lstStyle/>
+          <a:p>
+            <a:pPr algn="ctr"/>
+            <a:r>
+              <a:rPr lang="da-DK" dirty="0"/>
+              <a:t>out</a:t>
+            </a:r>
+          </a:p>
+        </p:txBody>
+      </p:sp>
+      <p:cxnSp>
+        <p:nvCxnSpPr>
+          <p:cNvPr id="15" name="Lige forbindelse 14">
+            <a:extLst>
+              <a:ext uri="{FF2B5EF4-FFF2-40B4-BE49-F238E27FC236}">
+                <a16:creationId xmlns:a16="http://schemas.microsoft.com/office/drawing/2014/main" id="{3F12C393-6467-A32A-64B1-A2CCCAB43751}"/>
+              </a:ext>
+            </a:extLst>
+          </p:cNvPr>
+          <p:cNvCxnSpPr>
+            <a:cxnSpLocks/>
+          </p:cNvCxnSpPr>
+          <p:nvPr/>
+        </p:nvCxnSpPr>
+        <p:spPr>
+          <a:xfrm flipH="1">
+            <a:off x="8137210" y="2103451"/>
+            <a:ext cx="2055" cy="499074"/>
+          </a:xfrm>
+          <a:prstGeom prst="line">
+            <a:avLst/>
+          </a:prstGeom>
+        </p:spPr>
+        <p:style>
+          <a:lnRef idx="2">
+            <a:schemeClr val="dk1"/>
+          </a:lnRef>
+          <a:fillRef idx="0">
+            <a:schemeClr val="dk1"/>
+          </a:fillRef>
+          <a:effectRef idx="1">
+            <a:schemeClr val="dk1"/>
+          </a:effectRef>
+          <a:fontRef idx="minor">
+            <a:schemeClr val="tx1"/>
+          </a:fontRef>
+        </p:style>
+      </p:cxnSp>
     </p:spTree>
     <p:extLst>
       <p:ext uri="{BB962C8B-B14F-4D97-AF65-F5344CB8AC3E}">
-        <p14:creationId xmlns:p14="http://schemas.microsoft.com/office/powerpoint/2010/main" val="3093879826"/>
+        <p14:creationId xmlns:p14="http://schemas.microsoft.com/office/powerpoint/2010/main" val="2357389951"/>
       </p:ext>
     </p:extLst>
   </p:cSld>
@@ -4894,7 +5008,7 @@
         </p:blipFill>
         <p:spPr>
           <a:xfrm>
-            <a:off x="5315463" y="0"/>
+            <a:off x="5368134" y="225823"/>
             <a:ext cx="1466335" cy="1466335"/>
           </a:xfrm>
           <a:prstGeom prst="rect">
@@ -4916,7 +5030,7 @@
         </p:nvSpPr>
         <p:spPr>
           <a:xfrm>
-            <a:off x="5181597" y="1235676"/>
+            <a:off x="5234268" y="1461499"/>
             <a:ext cx="1734065" cy="369332"/>
           </a:xfrm>
           <a:prstGeom prst="rect">
@@ -5010,44 +5124,6 @@
           </a:p>
         </p:txBody>
       </p:sp>
-      <p:cxnSp>
-        <p:nvCxnSpPr>
-          <p:cNvPr id="16" name="Lige forbindelse 15">
-            <a:extLst>
-              <a:ext uri="{FF2B5EF4-FFF2-40B4-BE49-F238E27FC236}">
-                <a16:creationId xmlns:a16="http://schemas.microsoft.com/office/drawing/2014/main" id="{9B3C684D-0367-5D0A-B62F-20B416A09BE4}"/>
-              </a:ext>
-            </a:extLst>
-          </p:cNvPr>
-          <p:cNvCxnSpPr>
-            <a:cxnSpLocks/>
-          </p:cNvCxnSpPr>
-          <p:nvPr/>
-        </p:nvCxnSpPr>
-        <p:spPr>
-          <a:xfrm>
-            <a:off x="6098055" y="1626288"/>
-            <a:ext cx="0" cy="985658"/>
-          </a:xfrm>
-          <a:prstGeom prst="line">
-            <a:avLst/>
-          </a:prstGeom>
-        </p:spPr>
-        <p:style>
-          <a:lnRef idx="2">
-            <a:schemeClr val="dk1"/>
-          </a:lnRef>
-          <a:fillRef idx="0">
-            <a:schemeClr val="dk1"/>
-          </a:fillRef>
-          <a:effectRef idx="1">
-            <a:schemeClr val="dk1"/>
-          </a:effectRef>
-          <a:fontRef idx="minor">
-            <a:schemeClr val="tx1"/>
-          </a:fontRef>
-        </p:style>
-      </p:cxnSp>
       <p:pic>
         <p:nvPicPr>
           <p:cNvPr id="25" name="Grafik 24" descr="Mappe kontur">
@@ -5076,7 +5152,7 @@
         </p:blipFill>
         <p:spPr>
           <a:xfrm>
-            <a:off x="5364885" y="2565401"/>
+            <a:off x="5368134" y="2579019"/>
             <a:ext cx="1466335" cy="1466335"/>
           </a:xfrm>
           <a:prstGeom prst="rect">
@@ -5098,7 +5174,7 @@
         </p:nvSpPr>
         <p:spPr>
           <a:xfrm>
-            <a:off x="5231019" y="3801077"/>
+            <a:off x="5230726" y="3803137"/>
             <a:ext cx="1734065" cy="369332"/>
           </a:xfrm>
           <a:prstGeom prst="rect">
@@ -5148,7 +5224,7 @@
         </p:blipFill>
         <p:spPr>
           <a:xfrm>
-            <a:off x="7336759" y="2526385"/>
+            <a:off x="9560132" y="2573792"/>
             <a:ext cx="1466335" cy="1466335"/>
           </a:xfrm>
           <a:prstGeom prst="rect">
@@ -5170,7 +5246,7 @@
         </p:nvSpPr>
         <p:spPr>
           <a:xfrm>
-            <a:off x="7202893" y="3762061"/>
+            <a:off x="9549990" y="3809609"/>
             <a:ext cx="1734065" cy="369332"/>
           </a:xfrm>
           <a:prstGeom prst="rect">
@@ -5186,10 +5262,9 @@
           <a:p>
             <a:pPr algn="ctr"/>
             <a:r>
-              <a:rPr lang="da-DK" dirty="0" err="1"/>
+              <a:rPr lang="da-DK" dirty="0"/>
               <a:t>presentations</a:t>
             </a:r>
-            <a:endParaRPr lang="da-DK" dirty="0"/>
           </a:p>
         </p:txBody>
       </p:sp>
@@ -5248,7 +5323,7 @@
         <p:spPr>
           <a:xfrm flipH="1">
             <a:off x="1965338" y="2095865"/>
-            <a:ext cx="6101787" cy="0"/>
+            <a:ext cx="8215427" cy="0"/>
           </a:xfrm>
           <a:prstGeom prst="line">
             <a:avLst/>
@@ -5285,7 +5360,7 @@
         </p:nvCxnSpPr>
         <p:spPr>
           <a:xfrm flipH="1">
-            <a:off x="8067126" y="2095865"/>
+            <a:off x="10180765" y="2083864"/>
             <a:ext cx="2055" cy="499074"/>
           </a:xfrm>
           <a:prstGeom prst="line">
@@ -5584,8 +5659,8 @@
         </p:nvCxnSpPr>
         <p:spPr>
           <a:xfrm>
-            <a:off x="8041936" y="4190794"/>
-            <a:ext cx="0" cy="1002577"/>
+            <a:off x="10504592" y="4275786"/>
+            <a:ext cx="0" cy="850132"/>
           </a:xfrm>
           <a:prstGeom prst="line">
             <a:avLst/>
@@ -5620,7 +5695,7 @@
         </p:nvSpPr>
         <p:spPr>
           <a:xfrm>
-            <a:off x="6982219" y="6329470"/>
+            <a:off x="9444875" y="6262017"/>
             <a:ext cx="2106805" cy="369332"/>
           </a:xfrm>
           <a:prstGeom prst="rect">
@@ -5670,7 +5745,7 @@
         </p:blipFill>
         <p:spPr>
           <a:xfrm>
-            <a:off x="7500434" y="5228058"/>
+            <a:off x="9963090" y="5160605"/>
             <a:ext cx="1133383" cy="1133383"/>
           </a:xfrm>
           <a:prstGeom prst="rect">
@@ -5823,6 +5898,154 @@
           </a:p>
         </p:txBody>
       </p:sp>
+      <p:cxnSp>
+        <p:nvCxnSpPr>
+          <p:cNvPr id="2" name="Lige forbindelse 1">
+            <a:extLst>
+              <a:ext uri="{FF2B5EF4-FFF2-40B4-BE49-F238E27FC236}">
+                <a16:creationId xmlns:a16="http://schemas.microsoft.com/office/drawing/2014/main" id="{890D1289-DE73-D299-DF0B-D802FE36ED85}"/>
+              </a:ext>
+            </a:extLst>
+          </p:cNvPr>
+          <p:cNvCxnSpPr>
+            <a:cxnSpLocks/>
+          </p:cNvCxnSpPr>
+          <p:nvPr/>
+        </p:nvCxnSpPr>
+        <p:spPr>
+          <a:xfrm flipH="1">
+            <a:off x="6093656" y="2088280"/>
+            <a:ext cx="2055" cy="499074"/>
+          </a:xfrm>
+          <a:prstGeom prst="line">
+            <a:avLst/>
+          </a:prstGeom>
+        </p:spPr>
+        <p:style>
+          <a:lnRef idx="2">
+            <a:schemeClr val="dk1"/>
+          </a:lnRef>
+          <a:fillRef idx="0">
+            <a:schemeClr val="dk1"/>
+          </a:fillRef>
+          <a:effectRef idx="1">
+            <a:schemeClr val="dk1"/>
+          </a:effectRef>
+          <a:fontRef idx="minor">
+            <a:schemeClr val="tx1"/>
+          </a:fontRef>
+        </p:style>
+      </p:cxnSp>
+      <p:pic>
+        <p:nvPicPr>
+          <p:cNvPr id="7" name="Grafik 6" descr="Mappe kontur">
+            <a:extLst>
+              <a:ext uri="{FF2B5EF4-FFF2-40B4-BE49-F238E27FC236}">
+                <a16:creationId xmlns:a16="http://schemas.microsoft.com/office/drawing/2014/main" id="{87834387-6F61-6DAF-34A6-628928EE58E6}"/>
+              </a:ext>
+            </a:extLst>
+          </p:cNvPr>
+          <p:cNvPicPr>
+            <a:picLocks noChangeAspect="1"/>
+          </p:cNvPicPr>
+          <p:nvPr/>
+        </p:nvPicPr>
+        <p:blipFill>
+          <a:blip r:embed="rId3">
+            <a:extLst>
+              <a:ext uri="{96DAC541-7B7A-43D3-8B79-37D633B846F1}">
+                <asvg:svgBlip xmlns:asvg="http://schemas.microsoft.com/office/drawing/2016/SVG/main" r:embed="rId4"/>
+              </a:ext>
+            </a:extLst>
+          </a:blip>
+          <a:stretch>
+            <a:fillRect/>
+          </a:stretch>
+        </p:blipFill>
+        <p:spPr>
+          <a:xfrm>
+            <a:off x="7524224" y="2582938"/>
+            <a:ext cx="1466335" cy="1466335"/>
+          </a:xfrm>
+          <a:prstGeom prst="rect">
+            <a:avLst/>
+          </a:prstGeom>
+        </p:spPr>
+      </p:pic>
+      <p:sp>
+        <p:nvSpPr>
+          <p:cNvPr id="8" name="Tekstfelt 7">
+            <a:extLst>
+              <a:ext uri="{FF2B5EF4-FFF2-40B4-BE49-F238E27FC236}">
+                <a16:creationId xmlns:a16="http://schemas.microsoft.com/office/drawing/2014/main" id="{11122DF2-4948-271D-2289-7F33DC72FB13}"/>
+              </a:ext>
+            </a:extLst>
+          </p:cNvPr>
+          <p:cNvSpPr txBox="1"/>
+          <p:nvPr/>
+        </p:nvSpPr>
+        <p:spPr>
+          <a:xfrm>
+            <a:off x="7390358" y="3803137"/>
+            <a:ext cx="1734065" cy="369332"/>
+          </a:xfrm>
+          <a:prstGeom prst="rect">
+            <a:avLst/>
+          </a:prstGeom>
+          <a:noFill/>
+        </p:spPr>
+        <p:txBody>
+          <a:bodyPr wrap="square" rtlCol="0">
+            <a:spAutoFit/>
+          </a:bodyPr>
+          <a:lstStyle/>
+          <a:p>
+            <a:pPr algn="ctr"/>
+            <a:r>
+              <a:rPr lang="da-DK" dirty="0"/>
+              <a:t>out</a:t>
+            </a:r>
+          </a:p>
+        </p:txBody>
+      </p:sp>
+      <p:cxnSp>
+        <p:nvCxnSpPr>
+          <p:cNvPr id="15" name="Lige forbindelse 14">
+            <a:extLst>
+              <a:ext uri="{FF2B5EF4-FFF2-40B4-BE49-F238E27FC236}">
+                <a16:creationId xmlns:a16="http://schemas.microsoft.com/office/drawing/2014/main" id="{D143BF61-A565-6B12-2AF6-1607E87BAF00}"/>
+              </a:ext>
+            </a:extLst>
+          </p:cNvPr>
+          <p:cNvCxnSpPr>
+            <a:cxnSpLocks/>
+          </p:cNvCxnSpPr>
+          <p:nvPr/>
+        </p:nvCxnSpPr>
+        <p:spPr>
+          <a:xfrm flipH="1">
+            <a:off x="8137210" y="2103451"/>
+            <a:ext cx="2055" cy="499074"/>
+          </a:xfrm>
+          <a:prstGeom prst="line">
+            <a:avLst/>
+          </a:prstGeom>
+        </p:spPr>
+        <p:style>
+          <a:lnRef idx="2">
+            <a:schemeClr val="dk1"/>
+          </a:lnRef>
+          <a:fillRef idx="0">
+            <a:schemeClr val="dk1"/>
+          </a:fillRef>
+          <a:effectRef idx="1">
+            <a:schemeClr val="dk1"/>
+          </a:effectRef>
+          <a:fontRef idx="minor">
+            <a:schemeClr val="tx1"/>
+          </a:fontRef>
+        </p:style>
+      </p:cxnSp>
     </p:spTree>
     <p:extLst>
       <p:ext uri="{BB962C8B-B14F-4D97-AF65-F5344CB8AC3E}">

--- a/figures/make_figures.pptx
+++ b/figures/make_figures.pptx
@@ -9,8 +9,8 @@
   </p:notesMasterIdLst>
   <p:sldIdLst>
     <p:sldId id="256" r:id="rId2"/>
-    <p:sldId id="260" r:id="rId3"/>
-    <p:sldId id="258" r:id="rId4"/>
+    <p:sldId id="257" r:id="rId3"/>
+    <p:sldId id="259" r:id="rId4"/>
   </p:sldIdLst>
   <p:sldSz cx="12192000" cy="6858000"/>
   <p:notesSz cx="6858000" cy="9144000"/>
@@ -199,7 +199,7 @@
           <a:p>
             <a:fld id="{249BF61E-6A92-D74B-B60B-F61CE8EE41F9}" type="datetimeFigureOut">
               <a:rPr lang="da-DK" smtClean="0"/>
-              <a:t>18.12.2024</a:t>
+              <a:t>26.03.2025</a:t>
             </a:fld>
             <a:endParaRPr lang="da-DK"/>
           </a:p>
@@ -471,13 +471,7 @@
   <p:cSld>
     <p:spTree>
       <p:nvGrpSpPr>
-        <p:cNvPr id="1" name="">
-          <a:extLst>
-            <a:ext uri="{FF2B5EF4-FFF2-40B4-BE49-F238E27FC236}">
-              <a16:creationId xmlns:a16="http://schemas.microsoft.com/office/drawing/2014/main" id="{9E6FB394-FB20-EC17-21D6-27A9CD8D2787}"/>
-            </a:ext>
-          </a:extLst>
-        </p:cNvPr>
+        <p:cNvPr id="1" name=""/>
         <p:cNvGrpSpPr/>
         <p:nvPr/>
       </p:nvGrpSpPr>
@@ -491,13 +485,7 @@
       </p:grpSpPr>
       <p:sp>
         <p:nvSpPr>
-          <p:cNvPr id="2" name="Pladsholder til slidebillede 1">
-            <a:extLst>
-              <a:ext uri="{FF2B5EF4-FFF2-40B4-BE49-F238E27FC236}">
-                <a16:creationId xmlns:a16="http://schemas.microsoft.com/office/drawing/2014/main" id="{968C37BB-14FD-6B5A-FBD8-4F27750EEFF0}"/>
-              </a:ext>
-            </a:extLst>
-          </p:cNvPr>
+          <p:cNvPr id="2" name="Pladsholder til slidebillede 1"/>
           <p:cNvSpPr>
             <a:spLocks noGrp="1" noRot="1" noChangeAspect="1"/>
           </p:cNvSpPr>
@@ -509,13 +497,7 @@
       </p:sp>
       <p:sp>
         <p:nvSpPr>
-          <p:cNvPr id="3" name="Pladsholder til noter 2">
-            <a:extLst>
-              <a:ext uri="{FF2B5EF4-FFF2-40B4-BE49-F238E27FC236}">
-                <a16:creationId xmlns:a16="http://schemas.microsoft.com/office/drawing/2014/main" id="{90BB45F8-7DD4-2605-3F69-CBC31141D9FC}"/>
-              </a:ext>
-            </a:extLst>
-          </p:cNvPr>
+          <p:cNvPr id="3" name="Pladsholder til noter 2"/>
           <p:cNvSpPr>
             <a:spLocks noGrp="1"/>
           </p:cNvSpPr>
@@ -534,13 +516,7 @@
       </p:sp>
       <p:sp>
         <p:nvSpPr>
-          <p:cNvPr id="4" name="Pladsholder til slidenummer 3">
-            <a:extLst>
-              <a:ext uri="{FF2B5EF4-FFF2-40B4-BE49-F238E27FC236}">
-                <a16:creationId xmlns:a16="http://schemas.microsoft.com/office/drawing/2014/main" id="{C272E3B3-290C-A80B-A9DE-1F3C6217F9EE}"/>
-              </a:ext>
-            </a:extLst>
-          </p:cNvPr>
+          <p:cNvPr id="4" name="Pladsholder til slidenummer 3"/>
           <p:cNvSpPr>
             <a:spLocks noGrp="1"/>
           </p:cNvSpPr>
@@ -564,7 +540,7 @@
     </p:spTree>
     <p:extLst>
       <p:ext uri="{BB962C8B-B14F-4D97-AF65-F5344CB8AC3E}">
-        <p14:creationId xmlns:p14="http://schemas.microsoft.com/office/powerpoint/2010/main" val="3712885195"/>
+        <p14:creationId xmlns:p14="http://schemas.microsoft.com/office/powerpoint/2010/main" val="1130316343"/>
       </p:ext>
     </p:extLst>
   </p:cSld>
@@ -582,7 +558,7 @@
         <p:cNvPr id="1" name="">
           <a:extLst>
             <a:ext uri="{FF2B5EF4-FFF2-40B4-BE49-F238E27FC236}">
-              <a16:creationId xmlns:a16="http://schemas.microsoft.com/office/drawing/2014/main" id="{CEA41A5C-4B74-5974-EDE4-19A7A7B4CB0E}"/>
+              <a16:creationId xmlns:a16="http://schemas.microsoft.com/office/drawing/2014/main" id="{02F447E3-61F8-1B48-F2CF-072D89928044}"/>
             </a:ext>
           </a:extLst>
         </p:cNvPr>
@@ -602,7 +578,7 @@
           <p:cNvPr id="2" name="Pladsholder til slidebillede 1">
             <a:extLst>
               <a:ext uri="{FF2B5EF4-FFF2-40B4-BE49-F238E27FC236}">
-                <a16:creationId xmlns:a16="http://schemas.microsoft.com/office/drawing/2014/main" id="{7D7B06AB-8B4B-6D56-C149-465073C74124}"/>
+                <a16:creationId xmlns:a16="http://schemas.microsoft.com/office/drawing/2014/main" id="{B1AABD75-77C7-5F62-FC2C-056F1223C682}"/>
               </a:ext>
             </a:extLst>
           </p:cNvPr>
@@ -620,7 +596,7 @@
           <p:cNvPr id="3" name="Pladsholder til noter 2">
             <a:extLst>
               <a:ext uri="{FF2B5EF4-FFF2-40B4-BE49-F238E27FC236}">
-                <a16:creationId xmlns:a16="http://schemas.microsoft.com/office/drawing/2014/main" id="{DC8C1DEB-B056-2247-6554-D3D4A83D71A2}"/>
+                <a16:creationId xmlns:a16="http://schemas.microsoft.com/office/drawing/2014/main" id="{F3215831-FFF4-FB41-1AC1-7954FB39FE20}"/>
               </a:ext>
             </a:extLst>
           </p:cNvPr>
@@ -645,7 +621,7 @@
           <p:cNvPr id="4" name="Pladsholder til slidenummer 3">
             <a:extLst>
               <a:ext uri="{FF2B5EF4-FFF2-40B4-BE49-F238E27FC236}">
-                <a16:creationId xmlns:a16="http://schemas.microsoft.com/office/drawing/2014/main" id="{4251931B-A797-787F-50C8-0BEB1CCA7D2A}"/>
+                <a16:creationId xmlns:a16="http://schemas.microsoft.com/office/drawing/2014/main" id="{A1B9DE83-890F-93EA-2459-C6CFBA687DEA}"/>
               </a:ext>
             </a:extLst>
           </p:cNvPr>
@@ -672,7 +648,7 @@
     </p:spTree>
     <p:extLst>
       <p:ext uri="{BB962C8B-B14F-4D97-AF65-F5344CB8AC3E}">
-        <p14:creationId xmlns:p14="http://schemas.microsoft.com/office/powerpoint/2010/main" val="407836198"/>
+        <p14:creationId xmlns:p14="http://schemas.microsoft.com/office/powerpoint/2010/main" val="575381324"/>
       </p:ext>
     </p:extLst>
   </p:cSld>
@@ -829,7 +805,7 @@
           <a:p>
             <a:fld id="{F4FDE000-6CC2-1D4B-A455-561C20E00C2A}" type="datetimeFigureOut">
               <a:rPr lang="da-DK" smtClean="0"/>
-              <a:t>18.12.2024</a:t>
+              <a:t>26.03.2025</a:t>
             </a:fld>
             <a:endParaRPr lang="da-DK"/>
           </a:p>
@@ -1027,7 +1003,7 @@
           <a:p>
             <a:fld id="{F4FDE000-6CC2-1D4B-A455-561C20E00C2A}" type="datetimeFigureOut">
               <a:rPr lang="da-DK" smtClean="0"/>
-              <a:t>18.12.2024</a:t>
+              <a:t>26.03.2025</a:t>
             </a:fld>
             <a:endParaRPr lang="da-DK"/>
           </a:p>
@@ -1235,7 +1211,7 @@
           <a:p>
             <a:fld id="{F4FDE000-6CC2-1D4B-A455-561C20E00C2A}" type="datetimeFigureOut">
               <a:rPr lang="da-DK" smtClean="0"/>
-              <a:t>18.12.2024</a:t>
+              <a:t>26.03.2025</a:t>
             </a:fld>
             <a:endParaRPr lang="da-DK"/>
           </a:p>
@@ -1433,7 +1409,7 @@
           <a:p>
             <a:fld id="{F4FDE000-6CC2-1D4B-A455-561C20E00C2A}" type="datetimeFigureOut">
               <a:rPr lang="da-DK" smtClean="0"/>
-              <a:t>18.12.2024</a:t>
+              <a:t>26.03.2025</a:t>
             </a:fld>
             <a:endParaRPr lang="da-DK"/>
           </a:p>
@@ -1708,7 +1684,7 @@
           <a:p>
             <a:fld id="{F4FDE000-6CC2-1D4B-A455-561C20E00C2A}" type="datetimeFigureOut">
               <a:rPr lang="da-DK" smtClean="0"/>
-              <a:t>18.12.2024</a:t>
+              <a:t>26.03.2025</a:t>
             </a:fld>
             <a:endParaRPr lang="da-DK"/>
           </a:p>
@@ -1973,7 +1949,7 @@
           <a:p>
             <a:fld id="{F4FDE000-6CC2-1D4B-A455-561C20E00C2A}" type="datetimeFigureOut">
               <a:rPr lang="da-DK" smtClean="0"/>
-              <a:t>18.12.2024</a:t>
+              <a:t>26.03.2025</a:t>
             </a:fld>
             <a:endParaRPr lang="da-DK"/>
           </a:p>
@@ -2385,7 +2361,7 @@
           <a:p>
             <a:fld id="{F4FDE000-6CC2-1D4B-A455-561C20E00C2A}" type="datetimeFigureOut">
               <a:rPr lang="da-DK" smtClean="0"/>
-              <a:t>18.12.2024</a:t>
+              <a:t>26.03.2025</a:t>
             </a:fld>
             <a:endParaRPr lang="da-DK"/>
           </a:p>
@@ -2526,7 +2502,7 @@
           <a:p>
             <a:fld id="{F4FDE000-6CC2-1D4B-A455-561C20E00C2A}" type="datetimeFigureOut">
               <a:rPr lang="da-DK" smtClean="0"/>
-              <a:t>18.12.2024</a:t>
+              <a:t>26.03.2025</a:t>
             </a:fld>
             <a:endParaRPr lang="da-DK"/>
           </a:p>
@@ -2639,7 +2615,7 @@
           <a:p>
             <a:fld id="{F4FDE000-6CC2-1D4B-A455-561C20E00C2A}" type="datetimeFigureOut">
               <a:rPr lang="da-DK" smtClean="0"/>
-              <a:t>18.12.2024</a:t>
+              <a:t>26.03.2025</a:t>
             </a:fld>
             <a:endParaRPr lang="da-DK"/>
           </a:p>
@@ -2950,7 +2926,7 @@
           <a:p>
             <a:fld id="{F4FDE000-6CC2-1D4B-A455-561C20E00C2A}" type="datetimeFigureOut">
               <a:rPr lang="da-DK" smtClean="0"/>
-              <a:t>18.12.2024</a:t>
+              <a:t>26.03.2025</a:t>
             </a:fld>
             <a:endParaRPr lang="da-DK"/>
           </a:p>
@@ -3238,7 +3214,7 @@
           <a:p>
             <a:fld id="{F4FDE000-6CC2-1D4B-A455-561C20E00C2A}" type="datetimeFigureOut">
               <a:rPr lang="da-DK" smtClean="0"/>
-              <a:t>18.12.2024</a:t>
+              <a:t>26.03.2025</a:t>
             </a:fld>
             <a:endParaRPr lang="da-DK"/>
           </a:p>
@@ -3479,7 +3455,7 @@
           <a:p>
             <a:fld id="{F4FDE000-6CC2-1D4B-A455-561C20E00C2A}" type="datetimeFigureOut">
               <a:rPr lang="da-DK" smtClean="0"/>
-              <a:t>18.12.2024</a:t>
+              <a:t>26.03.2025</a:t>
             </a:fld>
             <a:endParaRPr lang="da-DK"/>
           </a:p>
@@ -3882,6 +3858,11 @@
 <file path=ppt/slides/slide1.xml><?xml version="1.0" encoding="utf-8"?>
 <p:sld xmlns:a="http://schemas.openxmlformats.org/drawingml/2006/main" xmlns:r="http://schemas.openxmlformats.org/officeDocument/2006/relationships" xmlns:p="http://schemas.openxmlformats.org/presentationml/2006/main">
   <p:cSld>
+    <p:bg>
+      <p:bgRef idx="1001">
+        <a:schemeClr val="bg1"/>
+      </p:bgRef>
+    </p:bg>
     <p:spTree>
       <p:nvGrpSpPr>
         <p:cNvPr id="1" name=""/>
@@ -3954,7 +3935,7 @@
     </p:extLst>
   </p:cSld>
   <p:clrMapOvr>
-    <a:masterClrMapping/>
+    <a:overrideClrMapping bg1="lt1" tx1="dk1" bg2="lt2" tx2="dk2" accent1="accent1" accent2="accent2" accent3="accent3" accent4="accent4" accent5="accent5" accent6="accent6" hlink="hlink" folHlink="folHlink"/>
   </p:clrMapOvr>
 </p:sld>
 </file>
@@ -3964,13 +3945,7 @@
   <p:cSld>
     <p:spTree>
       <p:nvGrpSpPr>
-        <p:cNvPr id="1" name="">
-          <a:extLst>
-            <a:ext uri="{FF2B5EF4-FFF2-40B4-BE49-F238E27FC236}">
-              <a16:creationId xmlns:a16="http://schemas.microsoft.com/office/drawing/2014/main" id="{168048B4-EE67-763B-4FAF-E5F0870FFDB8}"/>
-            </a:ext>
-          </a:extLst>
-        </p:cNvPr>
+        <p:cNvPr id="1" name=""/>
         <p:cNvGrpSpPr/>
         <p:nvPr/>
       </p:nvGrpSpPr>
@@ -3987,7 +3962,7 @@
           <p:cNvPr id="11" name="Grafik 10" descr="Mappe kontur">
             <a:extLst>
               <a:ext uri="{FF2B5EF4-FFF2-40B4-BE49-F238E27FC236}">
-                <a16:creationId xmlns:a16="http://schemas.microsoft.com/office/drawing/2014/main" id="{891F2F28-F7B5-AC86-1501-8E1CB513D182}"/>
+                <a16:creationId xmlns:a16="http://schemas.microsoft.com/office/drawing/2014/main" id="{2825E10C-A3FF-9B85-03FE-042E6DA872B1}"/>
               </a:ext>
             </a:extLst>
           </p:cNvPr>
@@ -4010,7 +3985,7 @@
         </p:blipFill>
         <p:spPr>
           <a:xfrm>
-            <a:off x="6436340" y="316657"/>
+            <a:off x="5481414" y="134644"/>
             <a:ext cx="1466335" cy="1466335"/>
           </a:xfrm>
           <a:prstGeom prst="rect">
@@ -4023,7 +3998,7 @@
           <p:cNvPr id="12" name="Tekstfelt 11">
             <a:extLst>
               <a:ext uri="{FF2B5EF4-FFF2-40B4-BE49-F238E27FC236}">
-                <a16:creationId xmlns:a16="http://schemas.microsoft.com/office/drawing/2014/main" id="{678FA23E-0BA5-39DC-D005-69E07D8F5C5F}"/>
+                <a16:creationId xmlns:a16="http://schemas.microsoft.com/office/drawing/2014/main" id="{3A43D720-6DE9-05CD-4A73-374AF9D2EC8E}"/>
               </a:ext>
             </a:extLst>
           </p:cNvPr>
@@ -4032,7 +4007,7 @@
         </p:nvSpPr>
         <p:spPr>
           <a:xfrm>
-            <a:off x="6302474" y="1552333"/>
+            <a:off x="5347548" y="1370320"/>
             <a:ext cx="1734065" cy="369332"/>
           </a:xfrm>
           <a:prstGeom prst="rect">
@@ -4049,7 +4024,7 @@
             <a:pPr algn="ctr"/>
             <a:r>
               <a:rPr lang="da-DK" dirty="0"/>
-              <a:t>R4DS</a:t>
+              <a:t>R4DataScience</a:t>
             </a:r>
           </a:p>
         </p:txBody>
@@ -4059,7 +4034,7 @@
           <p:cNvPr id="13" name="Grafik 12" descr="Mappe kontur">
             <a:extLst>
               <a:ext uri="{FF2B5EF4-FFF2-40B4-BE49-F238E27FC236}">
-                <a16:creationId xmlns:a16="http://schemas.microsoft.com/office/drawing/2014/main" id="{15AB2460-29DF-EE90-CE3C-4337883E6B95}"/>
+                <a16:creationId xmlns:a16="http://schemas.microsoft.com/office/drawing/2014/main" id="{4BABE217-409B-14D1-7903-FB31C8F36F12}"/>
               </a:ext>
             </a:extLst>
           </p:cNvPr>
@@ -4082,7 +4057,7 @@
         </p:blipFill>
         <p:spPr>
           <a:xfrm>
-            <a:off x="3198807" y="2573793"/>
+            <a:off x="3580013" y="2480665"/>
             <a:ext cx="1466335" cy="1466335"/>
           </a:xfrm>
           <a:prstGeom prst="rect">
@@ -4095,7 +4070,7 @@
           <p:cNvPr id="14" name="Tekstfelt 13">
             <a:extLst>
               <a:ext uri="{FF2B5EF4-FFF2-40B4-BE49-F238E27FC236}">
-                <a16:creationId xmlns:a16="http://schemas.microsoft.com/office/drawing/2014/main" id="{87F4387B-E69D-16FD-B02F-09F7249CB08E}"/>
+                <a16:creationId xmlns:a16="http://schemas.microsoft.com/office/drawing/2014/main" id="{AD892523-470E-80E9-E3F5-B0B8B47D94E1}"/>
               </a:ext>
             </a:extLst>
           </p:cNvPr>
@@ -4104,7 +4079,7 @@
         </p:nvSpPr>
         <p:spPr>
           <a:xfrm>
-            <a:off x="3064941" y="3809469"/>
+            <a:off x="3446147" y="3716341"/>
             <a:ext cx="1734065" cy="369332"/>
           </a:xfrm>
           <a:prstGeom prst="rect">
@@ -4120,9 +4095,10 @@
           <a:p>
             <a:pPr algn="ctr"/>
             <a:r>
-              <a:rPr lang="da-DK" dirty="0"/>
-              <a:t>data</a:t>
-            </a:r>
+              <a:rPr lang="da-DK" dirty="0" err="1"/>
+              <a:t>presentations</a:t>
+            </a:r>
+            <a:endParaRPr lang="da-DK" dirty="0"/>
           </a:p>
         </p:txBody>
       </p:sp>
@@ -4131,7 +4107,7 @@
           <p:cNvPr id="25" name="Grafik 24" descr="Mappe kontur">
             <a:extLst>
               <a:ext uri="{FF2B5EF4-FFF2-40B4-BE49-F238E27FC236}">
-                <a16:creationId xmlns:a16="http://schemas.microsoft.com/office/drawing/2014/main" id="{6E4729B8-A29F-689F-09E7-2F5BECEA9C3F}"/>
+                <a16:creationId xmlns:a16="http://schemas.microsoft.com/office/drawing/2014/main" id="{71B8E761-9D6B-DAE1-587A-9A62D179A0E2}"/>
               </a:ext>
             </a:extLst>
           </p:cNvPr>
@@ -4154,7 +4130,7 @@
         </p:blipFill>
         <p:spPr>
           <a:xfrm>
-            <a:off x="5368134" y="2579019"/>
+            <a:off x="5280614" y="2450753"/>
             <a:ext cx="1466335" cy="1466335"/>
           </a:xfrm>
           <a:prstGeom prst="rect">
@@ -4167,7 +4143,7 @@
           <p:cNvPr id="26" name="Tekstfelt 25">
             <a:extLst>
               <a:ext uri="{FF2B5EF4-FFF2-40B4-BE49-F238E27FC236}">
-                <a16:creationId xmlns:a16="http://schemas.microsoft.com/office/drawing/2014/main" id="{9AF0DF60-2817-0BE7-2614-C035A0856B21}"/>
+                <a16:creationId xmlns:a16="http://schemas.microsoft.com/office/drawing/2014/main" id="{7D26572A-875A-EB64-41AE-992D0A17ED27}"/>
               </a:ext>
             </a:extLst>
           </p:cNvPr>
@@ -4176,7 +4152,7 @@
         </p:nvSpPr>
         <p:spPr>
           <a:xfrm>
-            <a:off x="5230726" y="3803137"/>
+            <a:off x="5146748" y="3686429"/>
             <a:ext cx="1734065" cy="369332"/>
           </a:xfrm>
           <a:prstGeom prst="rect">
@@ -4192,9 +4168,10 @@
           <a:p>
             <a:pPr algn="ctr"/>
             <a:r>
-              <a:rPr lang="da-DK" dirty="0"/>
-              <a:t>scripts</a:t>
-            </a:r>
+              <a:rPr lang="da-DK" dirty="0" err="1"/>
+              <a:t>exercises</a:t>
+            </a:r>
+            <a:endParaRPr lang="da-DK" dirty="0"/>
           </a:p>
         </p:txBody>
       </p:sp>
@@ -4203,7 +4180,7 @@
           <p:cNvPr id="28" name="Grafik 27" descr="Mappe kontur">
             <a:extLst>
               <a:ext uri="{FF2B5EF4-FFF2-40B4-BE49-F238E27FC236}">
-                <a16:creationId xmlns:a16="http://schemas.microsoft.com/office/drawing/2014/main" id="{A7AB3E65-0060-6CF9-06A9-8A34146C2FAF}"/>
+                <a16:creationId xmlns:a16="http://schemas.microsoft.com/office/drawing/2014/main" id="{6B1A9F36-2FA9-0855-DCB4-848CEE5CD52A}"/>
               </a:ext>
             </a:extLst>
           </p:cNvPr>
@@ -4226,7 +4203,7 @@
         </p:blipFill>
         <p:spPr>
           <a:xfrm>
-            <a:off x="9560132" y="2573792"/>
+            <a:off x="8882614" y="2458272"/>
             <a:ext cx="1466335" cy="1466335"/>
           </a:xfrm>
           <a:prstGeom prst="rect">
@@ -4239,7 +4216,7 @@
           <p:cNvPr id="29" name="Tekstfelt 28">
             <a:extLst>
               <a:ext uri="{FF2B5EF4-FFF2-40B4-BE49-F238E27FC236}">
-                <a16:creationId xmlns:a16="http://schemas.microsoft.com/office/drawing/2014/main" id="{E023F853-5120-2513-5720-A6F7860F82A4}"/>
+                <a16:creationId xmlns:a16="http://schemas.microsoft.com/office/drawing/2014/main" id="{2D929C5D-B265-50B8-EB2D-1EA12687D344}"/>
               </a:ext>
             </a:extLst>
           </p:cNvPr>
@@ -4248,7 +4225,7 @@
         </p:nvSpPr>
         <p:spPr>
           <a:xfrm>
-            <a:off x="9549990" y="3809609"/>
+            <a:off x="8748748" y="3693948"/>
             <a:ext cx="1734065" cy="369332"/>
           </a:xfrm>
           <a:prstGeom prst="rect">
@@ -4265,7 +4242,7 @@
             <a:pPr algn="ctr"/>
             <a:r>
               <a:rPr lang="da-DK" dirty="0"/>
-              <a:t>presentations</a:t>
+              <a:t>output</a:t>
             </a:r>
           </a:p>
         </p:txBody>
@@ -4275,7 +4252,7 @@
           <p:cNvPr id="31" name="Lige forbindelse 30">
             <a:extLst>
               <a:ext uri="{FF2B5EF4-FFF2-40B4-BE49-F238E27FC236}">
-                <a16:creationId xmlns:a16="http://schemas.microsoft.com/office/drawing/2014/main" id="{82E20B15-C7AE-08DF-F5F1-A65796D48C1A}"/>
+                <a16:creationId xmlns:a16="http://schemas.microsoft.com/office/drawing/2014/main" id="{A6E56C1C-937A-9554-2980-0DD24E88BD5A}"/>
               </a:ext>
             </a:extLst>
           </p:cNvPr>
@@ -4286,7 +4263,7 @@
         </p:nvCxnSpPr>
         <p:spPr>
           <a:xfrm flipH="1">
-            <a:off x="3937566" y="2088280"/>
+            <a:off x="2706817" y="2106571"/>
             <a:ext cx="2055" cy="499074"/>
           </a:xfrm>
           <a:prstGeom prst="line">
@@ -4313,7 +4290,7 @@
           <p:cNvPr id="34" name="Lige forbindelse 33">
             <a:extLst>
               <a:ext uri="{FF2B5EF4-FFF2-40B4-BE49-F238E27FC236}">
-                <a16:creationId xmlns:a16="http://schemas.microsoft.com/office/drawing/2014/main" id="{C9A442EB-BA51-5D63-6643-D7985930A38F}"/>
+                <a16:creationId xmlns:a16="http://schemas.microsoft.com/office/drawing/2014/main" id="{E75352C0-8E5B-7BC4-4C04-1D0D1973E769}"/>
               </a:ext>
             </a:extLst>
           </p:cNvPr>
@@ -4324,8 +4301,8 @@
         </p:nvCxnSpPr>
         <p:spPr>
           <a:xfrm flipH="1">
-            <a:off x="3929918" y="2095865"/>
-            <a:ext cx="6250847" cy="0"/>
+            <a:off x="2711414" y="2112287"/>
+            <a:ext cx="6956512" cy="585"/>
           </a:xfrm>
           <a:prstGeom prst="line">
             <a:avLst/>
@@ -4351,7 +4328,7 @@
           <p:cNvPr id="35" name="Lige forbindelse 34">
             <a:extLst>
               <a:ext uri="{FF2B5EF4-FFF2-40B4-BE49-F238E27FC236}">
-                <a16:creationId xmlns:a16="http://schemas.microsoft.com/office/drawing/2014/main" id="{C70C4126-A318-2FAC-21C4-C424B3235ACF}"/>
+                <a16:creationId xmlns:a16="http://schemas.microsoft.com/office/drawing/2014/main" id="{30A69ADC-E1F1-C862-D901-FC22B22CA4EF}"/>
               </a:ext>
             </a:extLst>
           </p:cNvPr>
@@ -4362,158 +4339,7 @@
         </p:nvCxnSpPr>
         <p:spPr>
           <a:xfrm flipH="1">
-            <a:off x="10180765" y="2083864"/>
-            <a:ext cx="2055" cy="499074"/>
-          </a:xfrm>
-          <a:prstGeom prst="line">
-            <a:avLst/>
-          </a:prstGeom>
-        </p:spPr>
-        <p:style>
-          <a:lnRef idx="2">
-            <a:schemeClr val="dk1"/>
-          </a:lnRef>
-          <a:fillRef idx="0">
-            <a:schemeClr val="dk1"/>
-          </a:fillRef>
-          <a:effectRef idx="1">
-            <a:schemeClr val="dk1"/>
-          </a:effectRef>
-          <a:fontRef idx="minor">
-            <a:schemeClr val="tx1"/>
-          </a:fontRef>
-        </p:style>
-      </p:cxnSp>
-      <p:cxnSp>
-        <p:nvCxnSpPr>
-          <p:cNvPr id="36" name="Lige forbindelse 35">
-            <a:extLst>
-              <a:ext uri="{FF2B5EF4-FFF2-40B4-BE49-F238E27FC236}">
-                <a16:creationId xmlns:a16="http://schemas.microsoft.com/office/drawing/2014/main" id="{500441F1-8365-8C62-FC2A-BF595ED8D7BE}"/>
-              </a:ext>
-            </a:extLst>
-          </p:cNvPr>
-          <p:cNvCxnSpPr>
-            <a:cxnSpLocks/>
-          </p:cNvCxnSpPr>
-          <p:nvPr/>
-        </p:nvCxnSpPr>
-        <p:spPr>
-          <a:xfrm flipH="1">
-            <a:off x="3880508" y="4178801"/>
-            <a:ext cx="2055" cy="499074"/>
-          </a:xfrm>
-          <a:prstGeom prst="line">
-            <a:avLst/>
-          </a:prstGeom>
-        </p:spPr>
-        <p:style>
-          <a:lnRef idx="2">
-            <a:schemeClr val="dk1"/>
-          </a:lnRef>
-          <a:fillRef idx="0">
-            <a:schemeClr val="dk1"/>
-          </a:fillRef>
-          <a:effectRef idx="1">
-            <a:schemeClr val="dk1"/>
-          </a:effectRef>
-          <a:fontRef idx="minor">
-            <a:schemeClr val="tx1"/>
-          </a:fontRef>
-        </p:style>
-      </p:cxnSp>
-      <p:cxnSp>
-        <p:nvCxnSpPr>
-          <p:cNvPr id="37" name="Lige forbindelse 36">
-            <a:extLst>
-              <a:ext uri="{FF2B5EF4-FFF2-40B4-BE49-F238E27FC236}">
-                <a16:creationId xmlns:a16="http://schemas.microsoft.com/office/drawing/2014/main" id="{B336D7EE-7A44-DEFF-CF6C-2AC6A0941616}"/>
-              </a:ext>
-            </a:extLst>
-          </p:cNvPr>
-          <p:cNvCxnSpPr>
-            <a:cxnSpLocks/>
-          </p:cNvCxnSpPr>
-          <p:nvPr/>
-        </p:nvCxnSpPr>
-        <p:spPr>
-          <a:xfrm flipH="1">
-            <a:off x="3425369" y="4674435"/>
-            <a:ext cx="910278" cy="0"/>
-          </a:xfrm>
-          <a:prstGeom prst="line">
-            <a:avLst/>
-          </a:prstGeom>
-        </p:spPr>
-        <p:style>
-          <a:lnRef idx="2">
-            <a:schemeClr val="dk1"/>
-          </a:lnRef>
-          <a:fillRef idx="0">
-            <a:schemeClr val="dk1"/>
-          </a:fillRef>
-          <a:effectRef idx="1">
-            <a:schemeClr val="dk1"/>
-          </a:effectRef>
-          <a:fontRef idx="minor">
-            <a:schemeClr val="tx1"/>
-          </a:fontRef>
-        </p:style>
-      </p:cxnSp>
-      <p:sp>
-        <p:nvSpPr>
-          <p:cNvPr id="45" name="Tekstfelt 44">
-            <a:extLst>
-              <a:ext uri="{FF2B5EF4-FFF2-40B4-BE49-F238E27FC236}">
-                <a16:creationId xmlns:a16="http://schemas.microsoft.com/office/drawing/2014/main" id="{9FA97AC6-CF74-B711-859D-8ED367A98BF9}"/>
-              </a:ext>
-            </a:extLst>
-          </p:cNvPr>
-          <p:cNvSpPr txBox="1"/>
-          <p:nvPr/>
-        </p:nvSpPr>
-        <p:spPr>
-          <a:xfrm>
-            <a:off x="3798109" y="6307546"/>
-            <a:ext cx="1734065" cy="369332"/>
-          </a:xfrm>
-          <a:prstGeom prst="rect">
-            <a:avLst/>
-          </a:prstGeom>
-          <a:noFill/>
-        </p:spPr>
-        <p:txBody>
-          <a:bodyPr wrap="square" rtlCol="0">
-            <a:spAutoFit/>
-          </a:bodyPr>
-          <a:lstStyle/>
-          <a:p>
-            <a:pPr algn="ctr"/>
-            <a:r>
-              <a:rPr lang="da-DK" dirty="0" err="1"/>
-              <a:t>diabetes.xlsx</a:t>
-            </a:r>
-            <a:endParaRPr lang="da-DK" dirty="0"/>
-          </a:p>
-        </p:txBody>
-      </p:sp>
-      <p:cxnSp>
-        <p:nvCxnSpPr>
-          <p:cNvPr id="47" name="Lige forbindelse 46">
-            <a:extLst>
-              <a:ext uri="{FF2B5EF4-FFF2-40B4-BE49-F238E27FC236}">
-                <a16:creationId xmlns:a16="http://schemas.microsoft.com/office/drawing/2014/main" id="{68197731-0FFE-22D2-DDC7-52BF8B14191D}"/>
-              </a:ext>
-            </a:extLst>
-          </p:cNvPr>
-          <p:cNvCxnSpPr>
-            <a:cxnSpLocks/>
-          </p:cNvCxnSpPr>
-          <p:nvPr/>
-        </p:nvCxnSpPr>
-        <p:spPr>
-          <a:xfrm flipH="1">
-            <a:off x="4335647" y="4665291"/>
+            <a:off x="9653832" y="2118294"/>
             <a:ext cx="2055" cy="499074"/>
           </a:xfrm>
           <a:prstGeom prst="line">
@@ -4537,10 +4363,10 @@
       </p:cxnSp>
       <p:pic>
         <p:nvPicPr>
-          <p:cNvPr id="48" name="Grafik 47" descr="Papir kontur">
-            <a:extLst>
-              <a:ext uri="{FF2B5EF4-FFF2-40B4-BE49-F238E27FC236}">
-                <a16:creationId xmlns:a16="http://schemas.microsoft.com/office/drawing/2014/main" id="{7E26BBE5-855C-3860-FD3B-83FD4904EB5E}"/>
+          <p:cNvPr id="2" name="Grafik 1" descr="Mappe kontur">
+            <a:extLst>
+              <a:ext uri="{FF2B5EF4-FFF2-40B4-BE49-F238E27FC236}">
+                <a16:creationId xmlns:a16="http://schemas.microsoft.com/office/drawing/2014/main" id="{6B7AB4DD-6E87-FB63-03B7-D1BEAEADE418}"/>
               </a:ext>
             </a:extLst>
           </p:cNvPr>
@@ -4550,10 +4376,10 @@
           <p:nvPr/>
         </p:nvPicPr>
         <p:blipFill>
-          <a:blip r:embed="rId5">
+          <a:blip r:embed="rId3">
             <a:extLst>
               <a:ext uri="{96DAC541-7B7A-43D3-8B79-37D633B846F1}">
-                <asvg:svgBlip xmlns:asvg="http://schemas.microsoft.com/office/drawing/2016/SVG/main" r:embed="rId6"/>
+                <asvg:svgBlip xmlns:asvg="http://schemas.microsoft.com/office/drawing/2016/SVG/main" r:embed="rId4"/>
               </a:ext>
             </a:extLst>
           </a:blip>
@@ -4563,20 +4389,56 @@
         </p:blipFill>
         <p:spPr>
           <a:xfrm>
-            <a:off x="2747125" y="5216065"/>
-            <a:ext cx="1133383" cy="1133383"/>
+            <a:off x="1879413" y="2449648"/>
+            <a:ext cx="1466335" cy="1466335"/>
           </a:xfrm>
           <a:prstGeom prst="rect">
             <a:avLst/>
           </a:prstGeom>
         </p:spPr>
       </p:pic>
+      <p:sp>
+        <p:nvSpPr>
+          <p:cNvPr id="3" name="Tekstfelt 2">
+            <a:extLst>
+              <a:ext uri="{FF2B5EF4-FFF2-40B4-BE49-F238E27FC236}">
+                <a16:creationId xmlns:a16="http://schemas.microsoft.com/office/drawing/2014/main" id="{6CE8B4D8-6E3B-EE49-4E76-955544D5626B}"/>
+              </a:ext>
+            </a:extLst>
+          </p:cNvPr>
+          <p:cNvSpPr txBox="1"/>
+          <p:nvPr/>
+        </p:nvSpPr>
+        <p:spPr>
+          <a:xfrm>
+            <a:off x="1745547" y="3685324"/>
+            <a:ext cx="1734065" cy="369332"/>
+          </a:xfrm>
+          <a:prstGeom prst="rect">
+            <a:avLst/>
+          </a:prstGeom>
+          <a:noFill/>
+        </p:spPr>
+        <p:txBody>
+          <a:bodyPr wrap="square" rtlCol="0">
+            <a:spAutoFit/>
+          </a:bodyPr>
+          <a:lstStyle/>
+          <a:p>
+            <a:pPr algn="ctr"/>
+            <a:r>
+              <a:rPr lang="da-DK" dirty="0"/>
+              <a:t>slides</a:t>
+            </a:r>
+          </a:p>
+        </p:txBody>
+      </p:sp>
       <p:cxnSp>
         <p:nvCxnSpPr>
-          <p:cNvPr id="50" name="Lige forbindelse 49">
-            <a:extLst>
-              <a:ext uri="{FF2B5EF4-FFF2-40B4-BE49-F238E27FC236}">
-                <a16:creationId xmlns:a16="http://schemas.microsoft.com/office/drawing/2014/main" id="{197FCF11-BA4B-3409-0D56-726DB1C53AEE}"/>
+          <p:cNvPr id="4" name="Lige forbindelse 3">
+            <a:extLst>
+              <a:ext uri="{FF2B5EF4-FFF2-40B4-BE49-F238E27FC236}">
+                <a16:creationId xmlns:a16="http://schemas.microsoft.com/office/drawing/2014/main" id="{B35E6B6C-9040-6291-76BA-E002F289EFC1}"/>
               </a:ext>
             </a:extLst>
           </p:cNvPr>
@@ -4587,232 +4449,7 @@
         </p:nvCxnSpPr>
         <p:spPr>
           <a:xfrm flipH="1">
-            <a:off x="3425369" y="4665291"/>
-            <a:ext cx="2055" cy="499074"/>
-          </a:xfrm>
-          <a:prstGeom prst="line">
-            <a:avLst/>
-          </a:prstGeom>
-        </p:spPr>
-        <p:style>
-          <a:lnRef idx="2">
-            <a:schemeClr val="dk1"/>
-          </a:lnRef>
-          <a:fillRef idx="0">
-            <a:schemeClr val="dk1"/>
-          </a:fillRef>
-          <a:effectRef idx="1">
-            <a:schemeClr val="dk1"/>
-          </a:effectRef>
-          <a:fontRef idx="minor">
-            <a:schemeClr val="tx1"/>
-          </a:fontRef>
-        </p:style>
-      </p:cxnSp>
-      <p:pic>
-        <p:nvPicPr>
-          <p:cNvPr id="52" name="Grafik 51" descr="Papir kontur">
-            <a:extLst>
-              <a:ext uri="{FF2B5EF4-FFF2-40B4-BE49-F238E27FC236}">
-                <a16:creationId xmlns:a16="http://schemas.microsoft.com/office/drawing/2014/main" id="{DB7B29CF-F5CA-B15C-4066-958E60413931}"/>
-              </a:ext>
-            </a:extLst>
-          </p:cNvPr>
-          <p:cNvPicPr>
-            <a:picLocks noChangeAspect="1"/>
-          </p:cNvPicPr>
-          <p:nvPr/>
-        </p:nvPicPr>
-        <p:blipFill>
-          <a:blip r:embed="rId5">
-            <a:extLst>
-              <a:ext uri="{96DAC541-7B7A-43D3-8B79-37D633B846F1}">
-                <asvg:svgBlip xmlns:asvg="http://schemas.microsoft.com/office/drawing/2016/SVG/main" r:embed="rId6"/>
-              </a:ext>
-            </a:extLst>
-          </a:blip>
-          <a:stretch>
-            <a:fillRect/>
-          </a:stretch>
-        </p:blipFill>
-        <p:spPr>
-          <a:xfrm>
-            <a:off x="4046995" y="5216065"/>
-            <a:ext cx="1133383" cy="1133383"/>
-          </a:xfrm>
-          <a:prstGeom prst="rect">
-            <a:avLst/>
-          </a:prstGeom>
-        </p:spPr>
-      </p:pic>
-      <p:cxnSp>
-        <p:nvCxnSpPr>
-          <p:cNvPr id="78" name="Lige forbindelse 77">
-            <a:extLst>
-              <a:ext uri="{FF2B5EF4-FFF2-40B4-BE49-F238E27FC236}">
-                <a16:creationId xmlns:a16="http://schemas.microsoft.com/office/drawing/2014/main" id="{33E71F53-989B-D941-0A43-A256BD429E53}"/>
-              </a:ext>
-            </a:extLst>
-          </p:cNvPr>
-          <p:cNvCxnSpPr>
-            <a:cxnSpLocks/>
-          </p:cNvCxnSpPr>
-          <p:nvPr/>
-        </p:nvCxnSpPr>
-        <p:spPr>
-          <a:xfrm>
-            <a:off x="10504592" y="4275786"/>
-            <a:ext cx="0" cy="850132"/>
-          </a:xfrm>
-          <a:prstGeom prst="line">
-            <a:avLst/>
-          </a:prstGeom>
-        </p:spPr>
-        <p:style>
-          <a:lnRef idx="2">
-            <a:schemeClr val="dk1"/>
-          </a:lnRef>
-          <a:fillRef idx="0">
-            <a:schemeClr val="dk1"/>
-          </a:fillRef>
-          <a:effectRef idx="1">
-            <a:schemeClr val="dk1"/>
-          </a:effectRef>
-          <a:fontRef idx="minor">
-            <a:schemeClr val="tx1"/>
-          </a:fontRef>
-        </p:style>
-      </p:cxnSp>
-      <p:sp>
-        <p:nvSpPr>
-          <p:cNvPr id="80" name="Tekstfelt 79">
-            <a:extLst>
-              <a:ext uri="{FF2B5EF4-FFF2-40B4-BE49-F238E27FC236}">
-                <a16:creationId xmlns:a16="http://schemas.microsoft.com/office/drawing/2014/main" id="{CB5CB4B7-4772-8972-FF31-ECB195B6CE01}"/>
-              </a:ext>
-            </a:extLst>
-          </p:cNvPr>
-          <p:cNvSpPr txBox="1"/>
-          <p:nvPr/>
-        </p:nvSpPr>
-        <p:spPr>
-          <a:xfrm>
-            <a:off x="9444875" y="6262017"/>
-            <a:ext cx="2106805" cy="369332"/>
-          </a:xfrm>
-          <a:prstGeom prst="rect">
-            <a:avLst/>
-          </a:prstGeom>
-          <a:noFill/>
-        </p:spPr>
-        <p:txBody>
-          <a:bodyPr wrap="square" rtlCol="0">
-            <a:spAutoFit/>
-          </a:bodyPr>
-          <a:lstStyle/>
-          <a:p>
-            <a:pPr algn="ctr"/>
-            <a:r>
-              <a:rPr lang="da-DK" dirty="0"/>
-              <a:t>presentation0.qmd</a:t>
-            </a:r>
-          </a:p>
-        </p:txBody>
-      </p:sp>
-      <p:pic>
-        <p:nvPicPr>
-          <p:cNvPr id="84" name="Grafik 83" descr="Papir kontur">
-            <a:extLst>
-              <a:ext uri="{FF2B5EF4-FFF2-40B4-BE49-F238E27FC236}">
-                <a16:creationId xmlns:a16="http://schemas.microsoft.com/office/drawing/2014/main" id="{0B8F6A83-90DD-2D57-9AA1-834B32693AC8}"/>
-              </a:ext>
-            </a:extLst>
-          </p:cNvPr>
-          <p:cNvPicPr>
-            <a:picLocks noChangeAspect="1"/>
-          </p:cNvPicPr>
-          <p:nvPr/>
-        </p:nvPicPr>
-        <p:blipFill>
-          <a:blip r:embed="rId5">
-            <a:extLst>
-              <a:ext uri="{96DAC541-7B7A-43D3-8B79-37D633B846F1}">
-                <asvg:svgBlip xmlns:asvg="http://schemas.microsoft.com/office/drawing/2016/SVG/main" r:embed="rId6"/>
-              </a:ext>
-            </a:extLst>
-          </a:blip>
-          <a:stretch>
-            <a:fillRect/>
-          </a:stretch>
-        </p:blipFill>
-        <p:spPr>
-          <a:xfrm>
-            <a:off x="9963090" y="5160605"/>
-            <a:ext cx="1133383" cy="1133383"/>
-          </a:xfrm>
-          <a:prstGeom prst="rect">
-            <a:avLst/>
-          </a:prstGeom>
-        </p:spPr>
-      </p:pic>
-      <p:sp>
-        <p:nvSpPr>
-          <p:cNvPr id="85" name="Tekstfelt 84">
-            <a:extLst>
-              <a:ext uri="{FF2B5EF4-FFF2-40B4-BE49-F238E27FC236}">
-                <a16:creationId xmlns:a16="http://schemas.microsoft.com/office/drawing/2014/main" id="{BA428690-8BE5-F025-8487-091ED9935DD0}"/>
-              </a:ext>
-            </a:extLst>
-          </p:cNvPr>
-          <p:cNvSpPr txBox="1"/>
-          <p:nvPr/>
-        </p:nvSpPr>
-        <p:spPr>
-          <a:xfrm>
-            <a:off x="2446783" y="6304107"/>
-            <a:ext cx="1734065" cy="369332"/>
-          </a:xfrm>
-          <a:prstGeom prst="rect">
-            <a:avLst/>
-          </a:prstGeom>
-          <a:noFill/>
-        </p:spPr>
-        <p:txBody>
-          <a:bodyPr wrap="square" rtlCol="0">
-            <a:spAutoFit/>
-          </a:bodyPr>
-          <a:lstStyle/>
-          <a:p>
-            <a:pPr algn="ctr"/>
-            <a:r>
-              <a:rPr lang="da-DK" dirty="0"/>
-              <a:t>[…].</a:t>
-            </a:r>
-            <a:r>
-              <a:rPr lang="da-DK" dirty="0" err="1"/>
-              <a:t>xlsx</a:t>
-            </a:r>
-            <a:endParaRPr lang="da-DK" dirty="0"/>
-          </a:p>
-        </p:txBody>
-      </p:sp>
-      <p:cxnSp>
-        <p:nvCxnSpPr>
-          <p:cNvPr id="2" name="Lige forbindelse 1">
-            <a:extLst>
-              <a:ext uri="{FF2B5EF4-FFF2-40B4-BE49-F238E27FC236}">
-                <a16:creationId xmlns:a16="http://schemas.microsoft.com/office/drawing/2014/main" id="{70385AB0-D8AE-7A41-970B-090022B45F15}"/>
-              </a:ext>
-            </a:extLst>
-          </p:cNvPr>
-          <p:cNvCxnSpPr>
-            <a:cxnSpLocks/>
-          </p:cNvCxnSpPr>
-          <p:nvPr/>
-        </p:nvCxnSpPr>
-        <p:spPr>
-          <a:xfrm flipH="1">
-            <a:off x="6093656" y="2088280"/>
+            <a:off x="4338058" y="2118294"/>
             <a:ext cx="2055" cy="499074"/>
           </a:xfrm>
           <a:prstGeom prst="line">
@@ -4839,7 +4476,7 @@
           <p:cNvPr id="7" name="Grafik 6" descr="Mappe kontur">
             <a:extLst>
               <a:ext uri="{FF2B5EF4-FFF2-40B4-BE49-F238E27FC236}">
-                <a16:creationId xmlns:a16="http://schemas.microsoft.com/office/drawing/2014/main" id="{1DD5CA41-9CA7-FD14-3C57-05D14F79E15A}"/>
+                <a16:creationId xmlns:a16="http://schemas.microsoft.com/office/drawing/2014/main" id="{A6A41C67-259B-F06C-4896-13C1C7B93EFA}"/>
               </a:ext>
             </a:extLst>
           </p:cNvPr>
@@ -4862,7 +4499,7 @@
         </p:blipFill>
         <p:spPr>
           <a:xfrm>
-            <a:off x="7524224" y="2582938"/>
+            <a:off x="7081615" y="2457094"/>
             <a:ext cx="1466335" cy="1466335"/>
           </a:xfrm>
           <a:prstGeom prst="rect">
@@ -4875,7 +4512,7 @@
           <p:cNvPr id="8" name="Tekstfelt 7">
             <a:extLst>
               <a:ext uri="{FF2B5EF4-FFF2-40B4-BE49-F238E27FC236}">
-                <a16:creationId xmlns:a16="http://schemas.microsoft.com/office/drawing/2014/main" id="{BE3108B1-472D-4295-2F66-84BBC20BFC21}"/>
+                <a16:creationId xmlns:a16="http://schemas.microsoft.com/office/drawing/2014/main" id="{F313F106-9C22-BB16-B296-5F912C3FA0E7}"/>
               </a:ext>
             </a:extLst>
           </p:cNvPr>
@@ -4884,7 +4521,7 @@
         </p:nvSpPr>
         <p:spPr>
           <a:xfrm>
-            <a:off x="7390358" y="3803137"/>
+            <a:off x="6947749" y="3692770"/>
             <a:ext cx="1734065" cy="369332"/>
           </a:xfrm>
           <a:prstGeom prst="rect">
@@ -4901,17 +4538,17 @@
             <a:pPr algn="ctr"/>
             <a:r>
               <a:rPr lang="da-DK" dirty="0"/>
-              <a:t>out</a:t>
+              <a:t>data</a:t>
             </a:r>
           </a:p>
         </p:txBody>
       </p:sp>
       <p:cxnSp>
         <p:nvCxnSpPr>
-          <p:cNvPr id="15" name="Lige forbindelse 14">
-            <a:extLst>
-              <a:ext uri="{FF2B5EF4-FFF2-40B4-BE49-F238E27FC236}">
-                <a16:creationId xmlns:a16="http://schemas.microsoft.com/office/drawing/2014/main" id="{3F12C393-6467-A32A-64B1-A2CCCAB43751}"/>
+          <p:cNvPr id="10" name="Lige forbindelse 9">
+            <a:extLst>
+              <a:ext uri="{FF2B5EF4-FFF2-40B4-BE49-F238E27FC236}">
+                <a16:creationId xmlns:a16="http://schemas.microsoft.com/office/drawing/2014/main" id="{4219316A-11CB-A77E-2B3F-BD4F364AD821}"/>
               </a:ext>
             </a:extLst>
           </p:cNvPr>
@@ -4921,8 +4558,46 @@
           <p:nvPr/>
         </p:nvCxnSpPr>
         <p:spPr>
+          <a:xfrm>
+            <a:off x="6122459" y="1938860"/>
+            <a:ext cx="0" cy="666785"/>
+          </a:xfrm>
+          <a:prstGeom prst="line">
+            <a:avLst/>
+          </a:prstGeom>
+        </p:spPr>
+        <p:style>
+          <a:lnRef idx="2">
+            <a:schemeClr val="dk1"/>
+          </a:lnRef>
+          <a:fillRef idx="0">
+            <a:schemeClr val="dk1"/>
+          </a:fillRef>
+          <a:effectRef idx="1">
+            <a:schemeClr val="dk1"/>
+          </a:effectRef>
+          <a:fontRef idx="minor">
+            <a:schemeClr val="tx1"/>
+          </a:fontRef>
+        </p:style>
+      </p:cxnSp>
+      <p:cxnSp>
+        <p:nvCxnSpPr>
+          <p:cNvPr id="15" name="Lige forbindelse 14">
+            <a:extLst>
+              <a:ext uri="{FF2B5EF4-FFF2-40B4-BE49-F238E27FC236}">
+                <a16:creationId xmlns:a16="http://schemas.microsoft.com/office/drawing/2014/main" id="{1B58A0E5-E9F2-F9A8-7B77-BB8213A2A05E}"/>
+              </a:ext>
+            </a:extLst>
+          </p:cNvPr>
+          <p:cNvCxnSpPr>
+            <a:cxnSpLocks/>
+          </p:cNvCxnSpPr>
+          <p:nvPr/>
+        </p:nvCxnSpPr>
+        <p:spPr>
           <a:xfrm flipH="1">
-            <a:off x="8137210" y="2103451"/>
+            <a:off x="7813754" y="2121555"/>
             <a:ext cx="2055" cy="499074"/>
           </a:xfrm>
           <a:prstGeom prst="line">
@@ -4947,7 +4622,7 @@
     </p:spTree>
     <p:extLst>
       <p:ext uri="{BB962C8B-B14F-4D97-AF65-F5344CB8AC3E}">
-        <p14:creationId xmlns:p14="http://schemas.microsoft.com/office/powerpoint/2010/main" val="2357389951"/>
+        <p14:creationId xmlns:p14="http://schemas.microsoft.com/office/powerpoint/2010/main" val="153874914"/>
       </p:ext>
     </p:extLst>
   </p:cSld>
@@ -4965,7 +4640,7 @@
         <p:cNvPr id="1" name="">
           <a:extLst>
             <a:ext uri="{FF2B5EF4-FFF2-40B4-BE49-F238E27FC236}">
-              <a16:creationId xmlns:a16="http://schemas.microsoft.com/office/drawing/2014/main" id="{F8311C8D-80BA-2674-F727-CCB1BF74D981}"/>
+              <a16:creationId xmlns:a16="http://schemas.microsoft.com/office/drawing/2014/main" id="{BF6AE85F-721E-C105-1C14-8D521FAA4A2C}"/>
             </a:ext>
           </a:extLst>
         </p:cNvPr>
@@ -4985,7 +4660,7 @@
           <p:cNvPr id="11" name="Grafik 10" descr="Mappe kontur">
             <a:extLst>
               <a:ext uri="{FF2B5EF4-FFF2-40B4-BE49-F238E27FC236}">
-                <a16:creationId xmlns:a16="http://schemas.microsoft.com/office/drawing/2014/main" id="{91DC5298-4DB4-EE2C-1DE8-575AE9511156}"/>
+                <a16:creationId xmlns:a16="http://schemas.microsoft.com/office/drawing/2014/main" id="{011F1D31-9E66-E1D1-5B5C-AF5B113B17B4}"/>
               </a:ext>
             </a:extLst>
           </p:cNvPr>
@@ -5008,7 +4683,7 @@
         </p:blipFill>
         <p:spPr>
           <a:xfrm>
-            <a:off x="5368134" y="225823"/>
+            <a:off x="5666241" y="353365"/>
             <a:ext cx="1466335" cy="1466335"/>
           </a:xfrm>
           <a:prstGeom prst="rect">
@@ -5021,7 +4696,7 @@
           <p:cNvPr id="12" name="Tekstfelt 11">
             <a:extLst>
               <a:ext uri="{FF2B5EF4-FFF2-40B4-BE49-F238E27FC236}">
-                <a16:creationId xmlns:a16="http://schemas.microsoft.com/office/drawing/2014/main" id="{0A75885C-C2D3-5757-209E-4E24B65F84A4}"/>
+                <a16:creationId xmlns:a16="http://schemas.microsoft.com/office/drawing/2014/main" id="{675CB8FC-4188-1ED1-1473-DD0F3A722E05}"/>
               </a:ext>
             </a:extLst>
           </p:cNvPr>
@@ -5030,7 +4705,7 @@
         </p:nvSpPr>
         <p:spPr>
           <a:xfrm>
-            <a:off x="5234268" y="1461499"/>
+            <a:off x="5532375" y="1559823"/>
             <a:ext cx="1734065" cy="369332"/>
           </a:xfrm>
           <a:prstGeom prst="rect">
@@ -5047,7 +4722,7 @@
             <a:pPr algn="ctr"/>
             <a:r>
               <a:rPr lang="da-DK" dirty="0"/>
-              <a:t>R4DS</a:t>
+              <a:t>R4DataScience</a:t>
             </a:r>
           </a:p>
         </p:txBody>
@@ -5057,7 +4732,7 @@
           <p:cNvPr id="13" name="Grafik 12" descr="Mappe kontur">
             <a:extLst>
               <a:ext uri="{FF2B5EF4-FFF2-40B4-BE49-F238E27FC236}">
-                <a16:creationId xmlns:a16="http://schemas.microsoft.com/office/drawing/2014/main" id="{357D55FC-DF2C-8BBB-7D00-46F166F241E8}"/>
+                <a16:creationId xmlns:a16="http://schemas.microsoft.com/office/drawing/2014/main" id="{6C9413AC-E291-E921-329E-1D020C7B0F50}"/>
               </a:ext>
             </a:extLst>
           </p:cNvPr>
@@ -5080,7 +4755,7 @@
         </p:blipFill>
         <p:spPr>
           <a:xfrm>
-            <a:off x="3198807" y="2573793"/>
+            <a:off x="4698808" y="2512938"/>
             <a:ext cx="1466335" cy="1466335"/>
           </a:xfrm>
           <a:prstGeom prst="rect">
@@ -5093,7 +4768,7 @@
           <p:cNvPr id="14" name="Tekstfelt 13">
             <a:extLst>
               <a:ext uri="{FF2B5EF4-FFF2-40B4-BE49-F238E27FC236}">
-                <a16:creationId xmlns:a16="http://schemas.microsoft.com/office/drawing/2014/main" id="{040E1B70-6ACC-8418-C6BE-86237D300EFE}"/>
+                <a16:creationId xmlns:a16="http://schemas.microsoft.com/office/drawing/2014/main" id="{34A8CF39-2F8E-A582-D5F5-599729DC7BB2}"/>
               </a:ext>
             </a:extLst>
           </p:cNvPr>
@@ -5102,7 +4777,7 @@
         </p:nvSpPr>
         <p:spPr>
           <a:xfrm>
-            <a:off x="3064941" y="3809469"/>
+            <a:off x="4564942" y="3748614"/>
             <a:ext cx="1734065" cy="369332"/>
           </a:xfrm>
           <a:prstGeom prst="rect">
@@ -5118,9 +4793,10 @@
           <a:p>
             <a:pPr algn="ctr"/>
             <a:r>
-              <a:rPr lang="da-DK" dirty="0"/>
-              <a:t>data</a:t>
-            </a:r>
+              <a:rPr lang="da-DK" dirty="0" err="1"/>
+              <a:t>presentations</a:t>
+            </a:r>
+            <a:endParaRPr lang="da-DK" dirty="0"/>
           </a:p>
         </p:txBody>
       </p:sp>
@@ -5129,7 +4805,7 @@
           <p:cNvPr id="25" name="Grafik 24" descr="Mappe kontur">
             <a:extLst>
               <a:ext uri="{FF2B5EF4-FFF2-40B4-BE49-F238E27FC236}">
-                <a16:creationId xmlns:a16="http://schemas.microsoft.com/office/drawing/2014/main" id="{C65D544D-4A20-DA1C-F85E-6702F2EEF7BA}"/>
+                <a16:creationId xmlns:a16="http://schemas.microsoft.com/office/drawing/2014/main" id="{1687BBE7-6499-54E7-ABF1-75F8689D7E2F}"/>
               </a:ext>
             </a:extLst>
           </p:cNvPr>
@@ -5152,7 +4828,7 @@
         </p:blipFill>
         <p:spPr>
           <a:xfrm>
-            <a:off x="5368134" y="2579019"/>
+            <a:off x="6399409" y="2483026"/>
             <a:ext cx="1466335" cy="1466335"/>
           </a:xfrm>
           <a:prstGeom prst="rect">
@@ -5165,7 +4841,7 @@
           <p:cNvPr id="26" name="Tekstfelt 25">
             <a:extLst>
               <a:ext uri="{FF2B5EF4-FFF2-40B4-BE49-F238E27FC236}">
-                <a16:creationId xmlns:a16="http://schemas.microsoft.com/office/drawing/2014/main" id="{7D2DBABE-69A1-4EDD-9FBF-9382A7558098}"/>
+                <a16:creationId xmlns:a16="http://schemas.microsoft.com/office/drawing/2014/main" id="{EC8D80AE-2941-AECB-6489-49291C9869DF}"/>
               </a:ext>
             </a:extLst>
           </p:cNvPr>
@@ -5174,7 +4850,7 @@
         </p:nvSpPr>
         <p:spPr>
           <a:xfrm>
-            <a:off x="5230726" y="3803137"/>
+            <a:off x="6265543" y="3718702"/>
             <a:ext cx="1734065" cy="369332"/>
           </a:xfrm>
           <a:prstGeom prst="rect">
@@ -5190,9 +4866,10 @@
           <a:p>
             <a:pPr algn="ctr"/>
             <a:r>
-              <a:rPr lang="da-DK" dirty="0"/>
-              <a:t>scripts</a:t>
-            </a:r>
+              <a:rPr lang="da-DK" dirty="0" err="1"/>
+              <a:t>exercises</a:t>
+            </a:r>
+            <a:endParaRPr lang="da-DK" dirty="0"/>
           </a:p>
         </p:txBody>
       </p:sp>
@@ -5201,7 +4878,7 @@
           <p:cNvPr id="28" name="Grafik 27" descr="Mappe kontur">
             <a:extLst>
               <a:ext uri="{FF2B5EF4-FFF2-40B4-BE49-F238E27FC236}">
-                <a16:creationId xmlns:a16="http://schemas.microsoft.com/office/drawing/2014/main" id="{43E5B791-7C0B-7FC0-DAF4-8116D034A802}"/>
+                <a16:creationId xmlns:a16="http://schemas.microsoft.com/office/drawing/2014/main" id="{0AA1B65A-D650-3478-F7E4-BFD72B8BB64E}"/>
               </a:ext>
             </a:extLst>
           </p:cNvPr>
@@ -5224,7 +4901,7 @@
         </p:blipFill>
         <p:spPr>
           <a:xfrm>
-            <a:off x="9560132" y="2573792"/>
+            <a:off x="10001409" y="2490545"/>
             <a:ext cx="1466335" cy="1466335"/>
           </a:xfrm>
           <a:prstGeom prst="rect">
@@ -5237,7 +4914,7 @@
           <p:cNvPr id="29" name="Tekstfelt 28">
             <a:extLst>
               <a:ext uri="{FF2B5EF4-FFF2-40B4-BE49-F238E27FC236}">
-                <a16:creationId xmlns:a16="http://schemas.microsoft.com/office/drawing/2014/main" id="{A3C4B0A0-D831-32E0-E5E7-869957F06834}"/>
+                <a16:creationId xmlns:a16="http://schemas.microsoft.com/office/drawing/2014/main" id="{05D66423-6203-1B1C-BC4D-858D45F774C6}"/>
               </a:ext>
             </a:extLst>
           </p:cNvPr>
@@ -5246,7 +4923,7 @@
         </p:nvSpPr>
         <p:spPr>
           <a:xfrm>
-            <a:off x="9549990" y="3809609"/>
+            <a:off x="9867543" y="3726221"/>
             <a:ext cx="1734065" cy="369332"/>
           </a:xfrm>
           <a:prstGeom prst="rect">
@@ -5263,7 +4940,7 @@
             <a:pPr algn="ctr"/>
             <a:r>
               <a:rPr lang="da-DK" dirty="0"/>
-              <a:t>presentations</a:t>
+              <a:t>output</a:t>
             </a:r>
           </a:p>
         </p:txBody>
@@ -5273,7 +4950,7 @@
           <p:cNvPr id="31" name="Lige forbindelse 30">
             <a:extLst>
               <a:ext uri="{FF2B5EF4-FFF2-40B4-BE49-F238E27FC236}">
-                <a16:creationId xmlns:a16="http://schemas.microsoft.com/office/drawing/2014/main" id="{3B8B1BC5-92FF-59E0-8BE0-EB04DC6B65F0}"/>
+                <a16:creationId xmlns:a16="http://schemas.microsoft.com/office/drawing/2014/main" id="{6D2A5DFA-4FBA-710C-35FC-AE6A5C936300}"/>
               </a:ext>
             </a:extLst>
           </p:cNvPr>
@@ -5284,7 +4961,7 @@
         </p:nvCxnSpPr>
         <p:spPr>
           <a:xfrm flipH="1">
-            <a:off x="3929918" y="2083864"/>
+            <a:off x="3825612" y="2138844"/>
             <a:ext cx="2055" cy="499074"/>
           </a:xfrm>
           <a:prstGeom prst="line">
@@ -5311,7 +4988,7 @@
           <p:cNvPr id="34" name="Lige forbindelse 33">
             <a:extLst>
               <a:ext uri="{FF2B5EF4-FFF2-40B4-BE49-F238E27FC236}">
-                <a16:creationId xmlns:a16="http://schemas.microsoft.com/office/drawing/2014/main" id="{A39AA5B6-D10C-7776-EF09-D4EC99DD1A22}"/>
+                <a16:creationId xmlns:a16="http://schemas.microsoft.com/office/drawing/2014/main" id="{685828B2-E2F1-B3EE-2B2B-E3AFC953377C}"/>
               </a:ext>
             </a:extLst>
           </p:cNvPr>
@@ -5322,8 +4999,8 @@
         </p:nvCxnSpPr>
         <p:spPr>
           <a:xfrm flipH="1">
-            <a:off x="1965338" y="2095865"/>
-            <a:ext cx="8215427" cy="0"/>
+            <a:off x="2054710" y="2144560"/>
+            <a:ext cx="8732011" cy="0"/>
           </a:xfrm>
           <a:prstGeom prst="line">
             <a:avLst/>
@@ -5349,7 +5026,7 @@
           <p:cNvPr id="35" name="Lige forbindelse 34">
             <a:extLst>
               <a:ext uri="{FF2B5EF4-FFF2-40B4-BE49-F238E27FC236}">
-                <a16:creationId xmlns:a16="http://schemas.microsoft.com/office/drawing/2014/main" id="{1913D894-F8FA-E8DC-6FB2-62162D44AEC0}"/>
+                <a16:creationId xmlns:a16="http://schemas.microsoft.com/office/drawing/2014/main" id="{C2EB4315-E09C-5080-CA60-0EEFD0026929}"/>
               </a:ext>
             </a:extLst>
           </p:cNvPr>
@@ -5360,158 +5037,7 @@
         </p:nvCxnSpPr>
         <p:spPr>
           <a:xfrm flipH="1">
-            <a:off x="10180765" y="2083864"/>
-            <a:ext cx="2055" cy="499074"/>
-          </a:xfrm>
-          <a:prstGeom prst="line">
-            <a:avLst/>
-          </a:prstGeom>
-        </p:spPr>
-        <p:style>
-          <a:lnRef idx="2">
-            <a:schemeClr val="dk1"/>
-          </a:lnRef>
-          <a:fillRef idx="0">
-            <a:schemeClr val="dk1"/>
-          </a:fillRef>
-          <a:effectRef idx="1">
-            <a:schemeClr val="dk1"/>
-          </a:effectRef>
-          <a:fontRef idx="minor">
-            <a:schemeClr val="tx1"/>
-          </a:fontRef>
-        </p:style>
-      </p:cxnSp>
-      <p:cxnSp>
-        <p:nvCxnSpPr>
-          <p:cNvPr id="36" name="Lige forbindelse 35">
-            <a:extLst>
-              <a:ext uri="{FF2B5EF4-FFF2-40B4-BE49-F238E27FC236}">
-                <a16:creationId xmlns:a16="http://schemas.microsoft.com/office/drawing/2014/main" id="{41ED56CA-F3E7-45B6-AAFF-EA86197A0618}"/>
-              </a:ext>
-            </a:extLst>
-          </p:cNvPr>
-          <p:cNvCxnSpPr>
-            <a:cxnSpLocks/>
-          </p:cNvCxnSpPr>
-          <p:nvPr/>
-        </p:nvCxnSpPr>
-        <p:spPr>
-          <a:xfrm flipH="1">
-            <a:off x="3880508" y="4178801"/>
-            <a:ext cx="2055" cy="499074"/>
-          </a:xfrm>
-          <a:prstGeom prst="line">
-            <a:avLst/>
-          </a:prstGeom>
-        </p:spPr>
-        <p:style>
-          <a:lnRef idx="2">
-            <a:schemeClr val="dk1"/>
-          </a:lnRef>
-          <a:fillRef idx="0">
-            <a:schemeClr val="dk1"/>
-          </a:fillRef>
-          <a:effectRef idx="1">
-            <a:schemeClr val="dk1"/>
-          </a:effectRef>
-          <a:fontRef idx="minor">
-            <a:schemeClr val="tx1"/>
-          </a:fontRef>
-        </p:style>
-      </p:cxnSp>
-      <p:cxnSp>
-        <p:nvCxnSpPr>
-          <p:cNvPr id="37" name="Lige forbindelse 36">
-            <a:extLst>
-              <a:ext uri="{FF2B5EF4-FFF2-40B4-BE49-F238E27FC236}">
-                <a16:creationId xmlns:a16="http://schemas.microsoft.com/office/drawing/2014/main" id="{1654B605-53FD-221E-5B0B-7FA99B217879}"/>
-              </a:ext>
-            </a:extLst>
-          </p:cNvPr>
-          <p:cNvCxnSpPr>
-            <a:cxnSpLocks/>
-          </p:cNvCxnSpPr>
-          <p:nvPr/>
-        </p:nvCxnSpPr>
-        <p:spPr>
-          <a:xfrm flipH="1">
-            <a:off x="3425369" y="4674435"/>
-            <a:ext cx="910278" cy="0"/>
-          </a:xfrm>
-          <a:prstGeom prst="line">
-            <a:avLst/>
-          </a:prstGeom>
-        </p:spPr>
-        <p:style>
-          <a:lnRef idx="2">
-            <a:schemeClr val="dk1"/>
-          </a:lnRef>
-          <a:fillRef idx="0">
-            <a:schemeClr val="dk1"/>
-          </a:fillRef>
-          <a:effectRef idx="1">
-            <a:schemeClr val="dk1"/>
-          </a:effectRef>
-          <a:fontRef idx="minor">
-            <a:schemeClr val="tx1"/>
-          </a:fontRef>
-        </p:style>
-      </p:cxnSp>
-      <p:sp>
-        <p:nvSpPr>
-          <p:cNvPr id="45" name="Tekstfelt 44">
-            <a:extLst>
-              <a:ext uri="{FF2B5EF4-FFF2-40B4-BE49-F238E27FC236}">
-                <a16:creationId xmlns:a16="http://schemas.microsoft.com/office/drawing/2014/main" id="{74BD7CAF-0065-4797-D999-FECC3A35EC32}"/>
-              </a:ext>
-            </a:extLst>
-          </p:cNvPr>
-          <p:cNvSpPr txBox="1"/>
-          <p:nvPr/>
-        </p:nvSpPr>
-        <p:spPr>
-          <a:xfrm>
-            <a:off x="3798109" y="6307546"/>
-            <a:ext cx="1734065" cy="369332"/>
-          </a:xfrm>
-          <a:prstGeom prst="rect">
-            <a:avLst/>
-          </a:prstGeom>
-          <a:noFill/>
-        </p:spPr>
-        <p:txBody>
-          <a:bodyPr wrap="square" rtlCol="0">
-            <a:spAutoFit/>
-          </a:bodyPr>
-          <a:lstStyle/>
-          <a:p>
-            <a:pPr algn="ctr"/>
-            <a:r>
-              <a:rPr lang="da-DK" dirty="0" err="1"/>
-              <a:t>diabetes.xlsx</a:t>
-            </a:r>
-            <a:endParaRPr lang="da-DK" dirty="0"/>
-          </a:p>
-        </p:txBody>
-      </p:sp>
-      <p:cxnSp>
-        <p:nvCxnSpPr>
-          <p:cNvPr id="47" name="Lige forbindelse 46">
-            <a:extLst>
-              <a:ext uri="{FF2B5EF4-FFF2-40B4-BE49-F238E27FC236}">
-                <a16:creationId xmlns:a16="http://schemas.microsoft.com/office/drawing/2014/main" id="{39F17E57-E4A7-5262-1142-6AC6B8C9254A}"/>
-              </a:ext>
-            </a:extLst>
-          </p:cNvPr>
-          <p:cNvCxnSpPr>
-            <a:cxnSpLocks/>
-          </p:cNvCxnSpPr>
-          <p:nvPr/>
-        </p:nvCxnSpPr>
-        <p:spPr>
-          <a:xfrm flipH="1">
-            <a:off x="4335647" y="4665291"/>
+            <a:off x="10772627" y="2150567"/>
             <a:ext cx="2055" cy="499074"/>
           </a:xfrm>
           <a:prstGeom prst="line">
@@ -5535,10 +5061,10 @@
       </p:cxnSp>
       <p:pic>
         <p:nvPicPr>
-          <p:cNvPr id="48" name="Grafik 47" descr="Papir kontur">
-            <a:extLst>
-              <a:ext uri="{FF2B5EF4-FFF2-40B4-BE49-F238E27FC236}">
-                <a16:creationId xmlns:a16="http://schemas.microsoft.com/office/drawing/2014/main" id="{A7BA0EBF-E6B4-DF51-083D-1CAEA28ED52F}"/>
+          <p:cNvPr id="2" name="Grafik 1" descr="Mappe kontur">
+            <a:extLst>
+              <a:ext uri="{FF2B5EF4-FFF2-40B4-BE49-F238E27FC236}">
+                <a16:creationId xmlns:a16="http://schemas.microsoft.com/office/drawing/2014/main" id="{6F1D07C6-48A7-E240-A018-815C19665CA8}"/>
               </a:ext>
             </a:extLst>
           </p:cNvPr>
@@ -5548,10 +5074,10 @@
           <p:nvPr/>
         </p:nvPicPr>
         <p:blipFill>
-          <a:blip r:embed="rId5">
+          <a:blip r:embed="rId3">
             <a:extLst>
               <a:ext uri="{96DAC541-7B7A-43D3-8B79-37D633B846F1}">
-                <asvg:svgBlip xmlns:asvg="http://schemas.microsoft.com/office/drawing/2016/SVG/main" r:embed="rId6"/>
+                <asvg:svgBlip xmlns:asvg="http://schemas.microsoft.com/office/drawing/2016/SVG/main" r:embed="rId4"/>
               </a:ext>
             </a:extLst>
           </a:blip>
@@ -5561,20 +5087,56 @@
         </p:blipFill>
         <p:spPr>
           <a:xfrm>
-            <a:off x="2747125" y="5216065"/>
-            <a:ext cx="1133383" cy="1133383"/>
+            <a:off x="2998208" y="2481921"/>
+            <a:ext cx="1466335" cy="1466335"/>
           </a:xfrm>
           <a:prstGeom prst="rect">
             <a:avLst/>
           </a:prstGeom>
         </p:spPr>
       </p:pic>
+      <p:sp>
+        <p:nvSpPr>
+          <p:cNvPr id="3" name="Tekstfelt 2">
+            <a:extLst>
+              <a:ext uri="{FF2B5EF4-FFF2-40B4-BE49-F238E27FC236}">
+                <a16:creationId xmlns:a16="http://schemas.microsoft.com/office/drawing/2014/main" id="{4AE64E57-A617-DC89-FB4D-B6216593BE07}"/>
+              </a:ext>
+            </a:extLst>
+          </p:cNvPr>
+          <p:cNvSpPr txBox="1"/>
+          <p:nvPr/>
+        </p:nvSpPr>
+        <p:spPr>
+          <a:xfrm>
+            <a:off x="2864342" y="3717597"/>
+            <a:ext cx="1734065" cy="369332"/>
+          </a:xfrm>
+          <a:prstGeom prst="rect">
+            <a:avLst/>
+          </a:prstGeom>
+          <a:noFill/>
+        </p:spPr>
+        <p:txBody>
+          <a:bodyPr wrap="square" rtlCol="0">
+            <a:spAutoFit/>
+          </a:bodyPr>
+          <a:lstStyle/>
+          <a:p>
+            <a:pPr algn="ctr"/>
+            <a:r>
+              <a:rPr lang="da-DK" dirty="0"/>
+              <a:t>slides</a:t>
+            </a:r>
+          </a:p>
+        </p:txBody>
+      </p:sp>
       <p:cxnSp>
         <p:nvCxnSpPr>
-          <p:cNvPr id="50" name="Lige forbindelse 49">
-            <a:extLst>
-              <a:ext uri="{FF2B5EF4-FFF2-40B4-BE49-F238E27FC236}">
-                <a16:creationId xmlns:a16="http://schemas.microsoft.com/office/drawing/2014/main" id="{589F53FD-30B2-2900-46D7-55B0F5AAA643}"/>
+          <p:cNvPr id="4" name="Lige forbindelse 3">
+            <a:extLst>
+              <a:ext uri="{FF2B5EF4-FFF2-40B4-BE49-F238E27FC236}">
+                <a16:creationId xmlns:a16="http://schemas.microsoft.com/office/drawing/2014/main" id="{E4D32B0F-B873-49BD-F65F-8114453F5750}"/>
               </a:ext>
             </a:extLst>
           </p:cNvPr>
@@ -5585,336 +5147,7 @@
         </p:nvCxnSpPr>
         <p:spPr>
           <a:xfrm flipH="1">
-            <a:off x="3425369" y="4665291"/>
-            <a:ext cx="2055" cy="499074"/>
-          </a:xfrm>
-          <a:prstGeom prst="line">
-            <a:avLst/>
-          </a:prstGeom>
-        </p:spPr>
-        <p:style>
-          <a:lnRef idx="2">
-            <a:schemeClr val="dk1"/>
-          </a:lnRef>
-          <a:fillRef idx="0">
-            <a:schemeClr val="dk1"/>
-          </a:fillRef>
-          <a:effectRef idx="1">
-            <a:schemeClr val="dk1"/>
-          </a:effectRef>
-          <a:fontRef idx="minor">
-            <a:schemeClr val="tx1"/>
-          </a:fontRef>
-        </p:style>
-      </p:cxnSp>
-      <p:pic>
-        <p:nvPicPr>
-          <p:cNvPr id="52" name="Grafik 51" descr="Papir kontur">
-            <a:extLst>
-              <a:ext uri="{FF2B5EF4-FFF2-40B4-BE49-F238E27FC236}">
-                <a16:creationId xmlns:a16="http://schemas.microsoft.com/office/drawing/2014/main" id="{A3E57BF4-52F2-2390-DDA3-D45003E4AFFD}"/>
-              </a:ext>
-            </a:extLst>
-          </p:cNvPr>
-          <p:cNvPicPr>
-            <a:picLocks noChangeAspect="1"/>
-          </p:cNvPicPr>
-          <p:nvPr/>
-        </p:nvPicPr>
-        <p:blipFill>
-          <a:blip r:embed="rId5">
-            <a:extLst>
-              <a:ext uri="{96DAC541-7B7A-43D3-8B79-37D633B846F1}">
-                <asvg:svgBlip xmlns:asvg="http://schemas.microsoft.com/office/drawing/2016/SVG/main" r:embed="rId6"/>
-              </a:ext>
-            </a:extLst>
-          </a:blip>
-          <a:stretch>
-            <a:fillRect/>
-          </a:stretch>
-        </p:blipFill>
-        <p:spPr>
-          <a:xfrm>
-            <a:off x="4046995" y="5216065"/>
-            <a:ext cx="1133383" cy="1133383"/>
-          </a:xfrm>
-          <a:prstGeom prst="rect">
-            <a:avLst/>
-          </a:prstGeom>
-        </p:spPr>
-      </p:pic>
-      <p:cxnSp>
-        <p:nvCxnSpPr>
-          <p:cNvPr id="78" name="Lige forbindelse 77">
-            <a:extLst>
-              <a:ext uri="{FF2B5EF4-FFF2-40B4-BE49-F238E27FC236}">
-                <a16:creationId xmlns:a16="http://schemas.microsoft.com/office/drawing/2014/main" id="{E52EA37E-AA67-8FFA-1ABE-8282715E6551}"/>
-              </a:ext>
-            </a:extLst>
-          </p:cNvPr>
-          <p:cNvCxnSpPr>
-            <a:cxnSpLocks/>
-          </p:cNvCxnSpPr>
-          <p:nvPr/>
-        </p:nvCxnSpPr>
-        <p:spPr>
-          <a:xfrm>
-            <a:off x="10504592" y="4275786"/>
-            <a:ext cx="0" cy="850132"/>
-          </a:xfrm>
-          <a:prstGeom prst="line">
-            <a:avLst/>
-          </a:prstGeom>
-        </p:spPr>
-        <p:style>
-          <a:lnRef idx="2">
-            <a:schemeClr val="dk1"/>
-          </a:lnRef>
-          <a:fillRef idx="0">
-            <a:schemeClr val="dk1"/>
-          </a:fillRef>
-          <a:effectRef idx="1">
-            <a:schemeClr val="dk1"/>
-          </a:effectRef>
-          <a:fontRef idx="minor">
-            <a:schemeClr val="tx1"/>
-          </a:fontRef>
-        </p:style>
-      </p:cxnSp>
-      <p:sp>
-        <p:nvSpPr>
-          <p:cNvPr id="80" name="Tekstfelt 79">
-            <a:extLst>
-              <a:ext uri="{FF2B5EF4-FFF2-40B4-BE49-F238E27FC236}">
-                <a16:creationId xmlns:a16="http://schemas.microsoft.com/office/drawing/2014/main" id="{E2900CE7-6E49-0955-BE74-686CF5C009F0}"/>
-              </a:ext>
-            </a:extLst>
-          </p:cNvPr>
-          <p:cNvSpPr txBox="1"/>
-          <p:nvPr/>
-        </p:nvSpPr>
-        <p:spPr>
-          <a:xfrm>
-            <a:off x="9444875" y="6262017"/>
-            <a:ext cx="2106805" cy="369332"/>
-          </a:xfrm>
-          <a:prstGeom prst="rect">
-            <a:avLst/>
-          </a:prstGeom>
-          <a:noFill/>
-        </p:spPr>
-        <p:txBody>
-          <a:bodyPr wrap="square" rtlCol="0">
-            <a:spAutoFit/>
-          </a:bodyPr>
-          <a:lstStyle/>
-          <a:p>
-            <a:pPr algn="ctr"/>
-            <a:r>
-              <a:rPr lang="da-DK" dirty="0"/>
-              <a:t>presentation0.qmd</a:t>
-            </a:r>
-          </a:p>
-        </p:txBody>
-      </p:sp>
-      <p:pic>
-        <p:nvPicPr>
-          <p:cNvPr id="84" name="Grafik 83" descr="Papir kontur">
-            <a:extLst>
-              <a:ext uri="{FF2B5EF4-FFF2-40B4-BE49-F238E27FC236}">
-                <a16:creationId xmlns:a16="http://schemas.microsoft.com/office/drawing/2014/main" id="{12C23E63-C907-7F8C-F3B4-199D032699FB}"/>
-              </a:ext>
-            </a:extLst>
-          </p:cNvPr>
-          <p:cNvPicPr>
-            <a:picLocks noChangeAspect="1"/>
-          </p:cNvPicPr>
-          <p:nvPr/>
-        </p:nvPicPr>
-        <p:blipFill>
-          <a:blip r:embed="rId5">
-            <a:extLst>
-              <a:ext uri="{96DAC541-7B7A-43D3-8B79-37D633B846F1}">
-                <asvg:svgBlip xmlns:asvg="http://schemas.microsoft.com/office/drawing/2016/SVG/main" r:embed="rId6"/>
-              </a:ext>
-            </a:extLst>
-          </a:blip>
-          <a:stretch>
-            <a:fillRect/>
-          </a:stretch>
-        </p:blipFill>
-        <p:spPr>
-          <a:xfrm>
-            <a:off x="9963090" y="5160605"/>
-            <a:ext cx="1133383" cy="1133383"/>
-          </a:xfrm>
-          <a:prstGeom prst="rect">
-            <a:avLst/>
-          </a:prstGeom>
-        </p:spPr>
-      </p:pic>
-      <p:sp>
-        <p:nvSpPr>
-          <p:cNvPr id="85" name="Tekstfelt 84">
-            <a:extLst>
-              <a:ext uri="{FF2B5EF4-FFF2-40B4-BE49-F238E27FC236}">
-                <a16:creationId xmlns:a16="http://schemas.microsoft.com/office/drawing/2014/main" id="{8EDD1DEB-1C74-FAC7-00F8-101B966AD0AA}"/>
-              </a:ext>
-            </a:extLst>
-          </p:cNvPr>
-          <p:cNvSpPr txBox="1"/>
-          <p:nvPr/>
-        </p:nvSpPr>
-        <p:spPr>
-          <a:xfrm>
-            <a:off x="2446783" y="6304107"/>
-            <a:ext cx="1734065" cy="369332"/>
-          </a:xfrm>
-          <a:prstGeom prst="rect">
-            <a:avLst/>
-          </a:prstGeom>
-          <a:noFill/>
-        </p:spPr>
-        <p:txBody>
-          <a:bodyPr wrap="square" rtlCol="0">
-            <a:spAutoFit/>
-          </a:bodyPr>
-          <a:lstStyle/>
-          <a:p>
-            <a:pPr algn="ctr"/>
-            <a:r>
-              <a:rPr lang="da-DK" dirty="0"/>
-              <a:t>[…].</a:t>
-            </a:r>
-            <a:r>
-              <a:rPr lang="da-DK" dirty="0" err="1"/>
-              <a:t>xlsx</a:t>
-            </a:r>
-            <a:endParaRPr lang="da-DK" dirty="0"/>
-          </a:p>
-        </p:txBody>
-      </p:sp>
-      <p:cxnSp>
-        <p:nvCxnSpPr>
-          <p:cNvPr id="3" name="Lige forbindelse 2">
-            <a:extLst>
-              <a:ext uri="{FF2B5EF4-FFF2-40B4-BE49-F238E27FC236}">
-                <a16:creationId xmlns:a16="http://schemas.microsoft.com/office/drawing/2014/main" id="{5E29CA62-A051-5800-8B19-E586FF41A06D}"/>
-              </a:ext>
-            </a:extLst>
-          </p:cNvPr>
-          <p:cNvCxnSpPr>
-            <a:cxnSpLocks/>
-          </p:cNvCxnSpPr>
-          <p:nvPr/>
-        </p:nvCxnSpPr>
-        <p:spPr>
-          <a:xfrm flipH="1">
-            <a:off x="1966794" y="2095865"/>
-            <a:ext cx="2055" cy="499074"/>
-          </a:xfrm>
-          <a:prstGeom prst="line">
-            <a:avLst/>
-          </a:prstGeom>
-        </p:spPr>
-        <p:style>
-          <a:lnRef idx="2">
-            <a:schemeClr val="dk1"/>
-          </a:lnRef>
-          <a:fillRef idx="0">
-            <a:schemeClr val="dk1"/>
-          </a:fillRef>
-          <a:effectRef idx="1">
-            <a:schemeClr val="dk1"/>
-          </a:effectRef>
-          <a:fontRef idx="minor">
-            <a:schemeClr val="tx1"/>
-          </a:fontRef>
-        </p:style>
-      </p:cxnSp>
-      <p:pic>
-        <p:nvPicPr>
-          <p:cNvPr id="9" name="Billede 8">
-            <a:extLst>
-              <a:ext uri="{FF2B5EF4-FFF2-40B4-BE49-F238E27FC236}">
-                <a16:creationId xmlns:a16="http://schemas.microsoft.com/office/drawing/2014/main" id="{21A9F908-00FF-E9F8-B254-53FD1A7ED646}"/>
-              </a:ext>
-            </a:extLst>
-          </p:cNvPr>
-          <p:cNvPicPr>
-            <a:picLocks noChangeAspect="1"/>
-          </p:cNvPicPr>
-          <p:nvPr/>
-        </p:nvPicPr>
-        <p:blipFill>
-          <a:blip r:embed="rId7"/>
-          <a:stretch>
-            <a:fillRect/>
-          </a:stretch>
-        </p:blipFill>
-        <p:spPr>
-          <a:xfrm>
-            <a:off x="1362088" y="2767210"/>
-            <a:ext cx="1206500" cy="1079500"/>
-          </a:xfrm>
-          <a:prstGeom prst="rect">
-            <a:avLst/>
-          </a:prstGeom>
-        </p:spPr>
-      </p:pic>
-      <p:sp>
-        <p:nvSpPr>
-          <p:cNvPr id="10" name="Tekstfelt 9">
-            <a:extLst>
-              <a:ext uri="{FF2B5EF4-FFF2-40B4-BE49-F238E27FC236}">
-                <a16:creationId xmlns:a16="http://schemas.microsoft.com/office/drawing/2014/main" id="{EF833DF9-ED24-876A-4485-1F853941C2CD}"/>
-              </a:ext>
-            </a:extLst>
-          </p:cNvPr>
-          <p:cNvSpPr txBox="1"/>
-          <p:nvPr/>
-        </p:nvSpPr>
-        <p:spPr>
-          <a:xfrm>
-            <a:off x="1098305" y="3803137"/>
-            <a:ext cx="1734065" cy="369332"/>
-          </a:xfrm>
-          <a:prstGeom prst="rect">
-            <a:avLst/>
-          </a:prstGeom>
-          <a:noFill/>
-        </p:spPr>
-        <p:txBody>
-          <a:bodyPr wrap="square" rtlCol="0">
-            <a:spAutoFit/>
-          </a:bodyPr>
-          <a:lstStyle/>
-          <a:p>
-            <a:pPr algn="ctr"/>
-            <a:r>
-              <a:rPr lang="da-DK" dirty="0"/>
-              <a:t>R4DS.Proj</a:t>
-            </a:r>
-          </a:p>
-        </p:txBody>
-      </p:sp>
-      <p:cxnSp>
-        <p:nvCxnSpPr>
-          <p:cNvPr id="2" name="Lige forbindelse 1">
-            <a:extLst>
-              <a:ext uri="{FF2B5EF4-FFF2-40B4-BE49-F238E27FC236}">
-                <a16:creationId xmlns:a16="http://schemas.microsoft.com/office/drawing/2014/main" id="{890D1289-DE73-D299-DF0B-D802FE36ED85}"/>
-              </a:ext>
-            </a:extLst>
-          </p:cNvPr>
-          <p:cNvCxnSpPr>
-            <a:cxnSpLocks/>
-          </p:cNvCxnSpPr>
-          <p:nvPr/>
-        </p:nvCxnSpPr>
-        <p:spPr>
-          <a:xfrm flipH="1">
-            <a:off x="6093656" y="2088280"/>
+            <a:off x="5456853" y="2150567"/>
             <a:ext cx="2055" cy="499074"/>
           </a:xfrm>
           <a:prstGeom prst="line">
@@ -5941,7 +5174,7 @@
           <p:cNvPr id="7" name="Grafik 6" descr="Mappe kontur">
             <a:extLst>
               <a:ext uri="{FF2B5EF4-FFF2-40B4-BE49-F238E27FC236}">
-                <a16:creationId xmlns:a16="http://schemas.microsoft.com/office/drawing/2014/main" id="{87834387-6F61-6DAF-34A6-628928EE58E6}"/>
+                <a16:creationId xmlns:a16="http://schemas.microsoft.com/office/drawing/2014/main" id="{12D6D311-67C3-830F-CEDA-DF56669A195B}"/>
               </a:ext>
             </a:extLst>
           </p:cNvPr>
@@ -5964,7 +5197,7 @@
         </p:blipFill>
         <p:spPr>
           <a:xfrm>
-            <a:off x="7524224" y="2582938"/>
+            <a:off x="8200410" y="2489367"/>
             <a:ext cx="1466335" cy="1466335"/>
           </a:xfrm>
           <a:prstGeom prst="rect">
@@ -5977,7 +5210,7 @@
           <p:cNvPr id="8" name="Tekstfelt 7">
             <a:extLst>
               <a:ext uri="{FF2B5EF4-FFF2-40B4-BE49-F238E27FC236}">
-                <a16:creationId xmlns:a16="http://schemas.microsoft.com/office/drawing/2014/main" id="{11122DF2-4948-271D-2289-7F33DC72FB13}"/>
+                <a16:creationId xmlns:a16="http://schemas.microsoft.com/office/drawing/2014/main" id="{0982F9BC-52DC-338F-9D95-1AF6C85043FC}"/>
               </a:ext>
             </a:extLst>
           </p:cNvPr>
@@ -5986,7 +5219,7 @@
         </p:nvSpPr>
         <p:spPr>
           <a:xfrm>
-            <a:off x="7390358" y="3803137"/>
+            <a:off x="8066544" y="3725043"/>
             <a:ext cx="1734065" cy="369332"/>
           </a:xfrm>
           <a:prstGeom prst="rect">
@@ -6003,17 +5236,17 @@
             <a:pPr algn="ctr"/>
             <a:r>
               <a:rPr lang="da-DK" dirty="0"/>
-              <a:t>out</a:t>
+              <a:t>data</a:t>
             </a:r>
           </a:p>
         </p:txBody>
       </p:sp>
       <p:cxnSp>
         <p:nvCxnSpPr>
-          <p:cNvPr id="15" name="Lige forbindelse 14">
-            <a:extLst>
-              <a:ext uri="{FF2B5EF4-FFF2-40B4-BE49-F238E27FC236}">
-                <a16:creationId xmlns:a16="http://schemas.microsoft.com/office/drawing/2014/main" id="{D143BF61-A565-6B12-2AF6-1607E87BAF00}"/>
+          <p:cNvPr id="10" name="Lige forbindelse 9">
+            <a:extLst>
+              <a:ext uri="{FF2B5EF4-FFF2-40B4-BE49-F238E27FC236}">
+                <a16:creationId xmlns:a16="http://schemas.microsoft.com/office/drawing/2014/main" id="{58D541B7-A2AD-F3FA-BAF6-A95242239C99}"/>
               </a:ext>
             </a:extLst>
           </p:cNvPr>
@@ -6023,9 +5256,189 @@
           <p:nvPr/>
         </p:nvCxnSpPr>
         <p:spPr>
+          <a:xfrm>
+            <a:off x="7241254" y="2150567"/>
+            <a:ext cx="0" cy="487351"/>
+          </a:xfrm>
+          <a:prstGeom prst="line">
+            <a:avLst/>
+          </a:prstGeom>
+        </p:spPr>
+        <p:style>
+          <a:lnRef idx="2">
+            <a:schemeClr val="dk1"/>
+          </a:lnRef>
+          <a:fillRef idx="0">
+            <a:schemeClr val="dk1"/>
+          </a:fillRef>
+          <a:effectRef idx="1">
+            <a:schemeClr val="dk1"/>
+          </a:effectRef>
+          <a:fontRef idx="minor">
+            <a:schemeClr val="tx1"/>
+          </a:fontRef>
+        </p:style>
+      </p:cxnSp>
+      <p:cxnSp>
+        <p:nvCxnSpPr>
+          <p:cNvPr id="15" name="Lige forbindelse 14">
+            <a:extLst>
+              <a:ext uri="{FF2B5EF4-FFF2-40B4-BE49-F238E27FC236}">
+                <a16:creationId xmlns:a16="http://schemas.microsoft.com/office/drawing/2014/main" id="{672CC6F7-8649-F421-C5A8-52A5904BE4EF}"/>
+              </a:ext>
+            </a:extLst>
+          </p:cNvPr>
+          <p:cNvCxnSpPr>
+            <a:cxnSpLocks/>
+          </p:cNvCxnSpPr>
+          <p:nvPr/>
+        </p:nvCxnSpPr>
+        <p:spPr>
           <a:xfrm flipH="1">
-            <a:off x="8137210" y="2103451"/>
+            <a:off x="8932549" y="2153828"/>
             <a:ext cx="2055" cy="499074"/>
+          </a:xfrm>
+          <a:prstGeom prst="line">
+            <a:avLst/>
+          </a:prstGeom>
+        </p:spPr>
+        <p:style>
+          <a:lnRef idx="2">
+            <a:schemeClr val="dk1"/>
+          </a:lnRef>
+          <a:fillRef idx="0">
+            <a:schemeClr val="dk1"/>
+          </a:fillRef>
+          <a:effectRef idx="1">
+            <a:schemeClr val="dk1"/>
+          </a:effectRef>
+          <a:fontRef idx="minor">
+            <a:schemeClr val="tx1"/>
+          </a:fontRef>
+        </p:style>
+      </p:cxnSp>
+      <p:pic>
+        <p:nvPicPr>
+          <p:cNvPr id="6" name="Billede 5">
+            <a:extLst>
+              <a:ext uri="{FF2B5EF4-FFF2-40B4-BE49-F238E27FC236}">
+                <a16:creationId xmlns:a16="http://schemas.microsoft.com/office/drawing/2014/main" id="{CC7F55FD-7797-4915-0BDE-F433C92FECF8}"/>
+              </a:ext>
+            </a:extLst>
+          </p:cNvPr>
+          <p:cNvPicPr>
+            <a:picLocks noChangeAspect="1"/>
+          </p:cNvPicPr>
+          <p:nvPr/>
+        </p:nvPicPr>
+        <p:blipFill>
+          <a:blip r:embed="rId5"/>
+          <a:stretch>
+            <a:fillRect/>
+          </a:stretch>
+        </p:blipFill>
+        <p:spPr>
+          <a:xfrm>
+            <a:off x="1492065" y="2689181"/>
+            <a:ext cx="1206500" cy="1079500"/>
+          </a:xfrm>
+          <a:prstGeom prst="rect">
+            <a:avLst/>
+          </a:prstGeom>
+        </p:spPr>
+      </p:pic>
+      <p:cxnSp>
+        <p:nvCxnSpPr>
+          <p:cNvPr id="17" name="Lige forbindelse 16">
+            <a:extLst>
+              <a:ext uri="{FF2B5EF4-FFF2-40B4-BE49-F238E27FC236}">
+                <a16:creationId xmlns:a16="http://schemas.microsoft.com/office/drawing/2014/main" id="{8975A85B-7AA6-3D8E-B9CD-724127D4B4B1}"/>
+              </a:ext>
+            </a:extLst>
+          </p:cNvPr>
+          <p:cNvCxnSpPr>
+            <a:cxnSpLocks/>
+          </p:cNvCxnSpPr>
+          <p:nvPr/>
+        </p:nvCxnSpPr>
+        <p:spPr>
+          <a:xfrm flipH="1">
+            <a:off x="2068076" y="2138844"/>
+            <a:ext cx="2055" cy="499074"/>
+          </a:xfrm>
+          <a:prstGeom prst="line">
+            <a:avLst/>
+          </a:prstGeom>
+        </p:spPr>
+        <p:style>
+          <a:lnRef idx="2">
+            <a:schemeClr val="dk1"/>
+          </a:lnRef>
+          <a:fillRef idx="0">
+            <a:schemeClr val="dk1"/>
+          </a:fillRef>
+          <a:effectRef idx="1">
+            <a:schemeClr val="dk1"/>
+          </a:effectRef>
+          <a:fontRef idx="minor">
+            <a:schemeClr val="tx1"/>
+          </a:fontRef>
+        </p:style>
+      </p:cxnSp>
+      <p:sp>
+        <p:nvSpPr>
+          <p:cNvPr id="18" name="Tekstfelt 17">
+            <a:extLst>
+              <a:ext uri="{FF2B5EF4-FFF2-40B4-BE49-F238E27FC236}">
+                <a16:creationId xmlns:a16="http://schemas.microsoft.com/office/drawing/2014/main" id="{D028555D-27EC-3B39-65ED-003BB292FC1E}"/>
+              </a:ext>
+            </a:extLst>
+          </p:cNvPr>
+          <p:cNvSpPr txBox="1"/>
+          <p:nvPr/>
+        </p:nvSpPr>
+        <p:spPr>
+          <a:xfrm>
+            <a:off x="972099" y="3725043"/>
+            <a:ext cx="2230892" cy="369332"/>
+          </a:xfrm>
+          <a:prstGeom prst="rect">
+            <a:avLst/>
+          </a:prstGeom>
+          <a:noFill/>
+        </p:spPr>
+        <p:txBody>
+          <a:bodyPr wrap="square" rtlCol="0">
+            <a:spAutoFit/>
+          </a:bodyPr>
+          <a:lstStyle/>
+          <a:p>
+            <a:pPr algn="ctr"/>
+            <a:r>
+              <a:rPr lang="da-DK" dirty="0"/>
+              <a:t>R4DataScience.Proj</a:t>
+            </a:r>
+          </a:p>
+        </p:txBody>
+      </p:sp>
+      <p:cxnSp>
+        <p:nvCxnSpPr>
+          <p:cNvPr id="20" name="Lige forbindelse 19">
+            <a:extLst>
+              <a:ext uri="{FF2B5EF4-FFF2-40B4-BE49-F238E27FC236}">
+                <a16:creationId xmlns:a16="http://schemas.microsoft.com/office/drawing/2014/main" id="{A44A0FAC-3319-93AF-5B99-355F335979E0}"/>
+              </a:ext>
+            </a:extLst>
+          </p:cNvPr>
+          <p:cNvCxnSpPr>
+            <a:cxnSpLocks/>
+          </p:cNvCxnSpPr>
+          <p:nvPr/>
+        </p:nvCxnSpPr>
+        <p:spPr>
+          <a:xfrm>
+            <a:off x="6402559" y="2025587"/>
+            <a:ext cx="0" cy="124980"/>
           </a:xfrm>
           <a:prstGeom prst="line">
             <a:avLst/>
@@ -6049,7 +5462,7 @@
     </p:spTree>
     <p:extLst>
       <p:ext uri="{BB962C8B-B14F-4D97-AF65-F5344CB8AC3E}">
-        <p14:creationId xmlns:p14="http://schemas.microsoft.com/office/powerpoint/2010/main" val="2389484177"/>
+        <p14:creationId xmlns:p14="http://schemas.microsoft.com/office/powerpoint/2010/main" val="1313226444"/>
       </p:ext>
     </p:extLst>
   </p:cSld>
@@ -6687,4 +6100,47 @@
     </a:ext>
   </a:extLst>
 </a:theme>
+</file>
+
+<file path=ppt/theme/themeOverride1.xml><?xml version="1.0" encoding="utf-8"?>
+<a:themeOverride xmlns:a="http://schemas.openxmlformats.org/drawingml/2006/main">
+  <a:clrScheme name="Office">
+    <a:dk1>
+      <a:sysClr val="windowText" lastClr="000000"/>
+    </a:dk1>
+    <a:lt1>
+      <a:sysClr val="window" lastClr="FFFFFF"/>
+    </a:lt1>
+    <a:dk2>
+      <a:srgbClr val="0E2841"/>
+    </a:dk2>
+    <a:lt2>
+      <a:srgbClr val="E8E8E8"/>
+    </a:lt2>
+    <a:accent1>
+      <a:srgbClr val="156082"/>
+    </a:accent1>
+    <a:accent2>
+      <a:srgbClr val="E97132"/>
+    </a:accent2>
+    <a:accent3>
+      <a:srgbClr val="196B24"/>
+    </a:accent3>
+    <a:accent4>
+      <a:srgbClr val="0F9ED5"/>
+    </a:accent4>
+    <a:accent5>
+      <a:srgbClr val="A02B93"/>
+    </a:accent5>
+    <a:accent6>
+      <a:srgbClr val="4EA72E"/>
+    </a:accent6>
+    <a:hlink>
+      <a:srgbClr val="467886"/>
+    </a:hlink>
+    <a:folHlink>
+      <a:srgbClr val="96607D"/>
+    </a:folHlink>
+  </a:clrScheme>
+</a:themeOverride>
 </file>
--- a/figures/make_figures.pptx
+++ b/figures/make_figures.pptx
@@ -199,7 +199,7 @@
           <a:p>
             <a:fld id="{249BF61E-6A92-D74B-B60B-F61CE8EE41F9}" type="datetimeFigureOut">
               <a:rPr lang="da-DK" smtClean="0"/>
-              <a:t>26.03.2025</a:t>
+              <a:t>12.06.2025</a:t>
             </a:fld>
             <a:endParaRPr lang="da-DK"/>
           </a:p>
@@ -805,7 +805,7 @@
           <a:p>
             <a:fld id="{F4FDE000-6CC2-1D4B-A455-561C20E00C2A}" type="datetimeFigureOut">
               <a:rPr lang="da-DK" smtClean="0"/>
-              <a:t>26.03.2025</a:t>
+              <a:t>12.06.2025</a:t>
             </a:fld>
             <a:endParaRPr lang="da-DK"/>
           </a:p>
@@ -1003,7 +1003,7 @@
           <a:p>
             <a:fld id="{F4FDE000-6CC2-1D4B-A455-561C20E00C2A}" type="datetimeFigureOut">
               <a:rPr lang="da-DK" smtClean="0"/>
-              <a:t>26.03.2025</a:t>
+              <a:t>12.06.2025</a:t>
             </a:fld>
             <a:endParaRPr lang="da-DK"/>
           </a:p>
@@ -1211,7 +1211,7 @@
           <a:p>
             <a:fld id="{F4FDE000-6CC2-1D4B-A455-561C20E00C2A}" type="datetimeFigureOut">
               <a:rPr lang="da-DK" smtClean="0"/>
-              <a:t>26.03.2025</a:t>
+              <a:t>12.06.2025</a:t>
             </a:fld>
             <a:endParaRPr lang="da-DK"/>
           </a:p>
@@ -1409,7 +1409,7 @@
           <a:p>
             <a:fld id="{F4FDE000-6CC2-1D4B-A455-561C20E00C2A}" type="datetimeFigureOut">
               <a:rPr lang="da-DK" smtClean="0"/>
-              <a:t>26.03.2025</a:t>
+              <a:t>12.06.2025</a:t>
             </a:fld>
             <a:endParaRPr lang="da-DK"/>
           </a:p>
@@ -1684,7 +1684,7 @@
           <a:p>
             <a:fld id="{F4FDE000-6CC2-1D4B-A455-561C20E00C2A}" type="datetimeFigureOut">
               <a:rPr lang="da-DK" smtClean="0"/>
-              <a:t>26.03.2025</a:t>
+              <a:t>12.06.2025</a:t>
             </a:fld>
             <a:endParaRPr lang="da-DK"/>
           </a:p>
@@ -1949,7 +1949,7 @@
           <a:p>
             <a:fld id="{F4FDE000-6CC2-1D4B-A455-561C20E00C2A}" type="datetimeFigureOut">
               <a:rPr lang="da-DK" smtClean="0"/>
-              <a:t>26.03.2025</a:t>
+              <a:t>12.06.2025</a:t>
             </a:fld>
             <a:endParaRPr lang="da-DK"/>
           </a:p>
@@ -2361,7 +2361,7 @@
           <a:p>
             <a:fld id="{F4FDE000-6CC2-1D4B-A455-561C20E00C2A}" type="datetimeFigureOut">
               <a:rPr lang="da-DK" smtClean="0"/>
-              <a:t>26.03.2025</a:t>
+              <a:t>12.06.2025</a:t>
             </a:fld>
             <a:endParaRPr lang="da-DK"/>
           </a:p>
@@ -2502,7 +2502,7 @@
           <a:p>
             <a:fld id="{F4FDE000-6CC2-1D4B-A455-561C20E00C2A}" type="datetimeFigureOut">
               <a:rPr lang="da-DK" smtClean="0"/>
-              <a:t>26.03.2025</a:t>
+              <a:t>12.06.2025</a:t>
             </a:fld>
             <a:endParaRPr lang="da-DK"/>
           </a:p>
@@ -2615,7 +2615,7 @@
           <a:p>
             <a:fld id="{F4FDE000-6CC2-1D4B-A455-561C20E00C2A}" type="datetimeFigureOut">
               <a:rPr lang="da-DK" smtClean="0"/>
-              <a:t>26.03.2025</a:t>
+              <a:t>12.06.2025</a:t>
             </a:fld>
             <a:endParaRPr lang="da-DK"/>
           </a:p>
@@ -2926,7 +2926,7 @@
           <a:p>
             <a:fld id="{F4FDE000-6CC2-1D4B-A455-561C20E00C2A}" type="datetimeFigureOut">
               <a:rPr lang="da-DK" smtClean="0"/>
-              <a:t>26.03.2025</a:t>
+              <a:t>12.06.2025</a:t>
             </a:fld>
             <a:endParaRPr lang="da-DK"/>
           </a:p>
@@ -3214,7 +3214,7 @@
           <a:p>
             <a:fld id="{F4FDE000-6CC2-1D4B-A455-561C20E00C2A}" type="datetimeFigureOut">
               <a:rPr lang="da-DK" smtClean="0"/>
-              <a:t>26.03.2025</a:t>
+              <a:t>12.06.2025</a:t>
             </a:fld>
             <a:endParaRPr lang="da-DK"/>
           </a:p>
@@ -3455,7 +3455,7 @@
           <a:p>
             <a:fld id="{F4FDE000-6CC2-1D4B-A455-561C20E00C2A}" type="datetimeFigureOut">
               <a:rPr lang="da-DK" smtClean="0"/>
-              <a:t>26.03.2025</a:t>
+              <a:t>12.06.2025</a:t>
             </a:fld>
             <a:endParaRPr lang="da-DK"/>
           </a:p>
@@ -5399,8 +5399,8 @@
         </p:nvSpPr>
         <p:spPr>
           <a:xfrm>
-            <a:off x="972099" y="3725043"/>
-            <a:ext cx="2230892" cy="369332"/>
+            <a:off x="868545" y="3726385"/>
+            <a:ext cx="2399062" cy="369332"/>
           </a:xfrm>
           <a:prstGeom prst="rect">
             <a:avLst/>
@@ -5416,7 +5416,7 @@
             <a:pPr algn="ctr"/>
             <a:r>
               <a:rPr lang="da-DK" dirty="0"/>
-              <a:t>R4DataScience.Proj</a:t>
+              <a:t>R4DataScience.Rproj</a:t>
             </a:r>
           </a:p>
         </p:txBody>
